--- a/English/4. Analysing data/5.Hierarchies.pptx
+++ b/English/4. Analysing data/5.Hierarchies.pptx
@@ -19,7 +19,7 @@
   <p:notesSz cx="6858000" cy="9144000"/>
   <p:defaultTextStyle>
     <a:defPPr>
-      <a:defRPr lang="en-US"/>
+      <a:defRPr lang="en"/>
     </a:defPPr>
     <a:lvl1pPr marL="0" algn="l" defTabSz="914400" rtl="0" eaLnBrk="1" latinLnBrk="0" hangingPunct="1">
       <a:defRPr sz="1800" kern="1200">
@@ -202,7 +202,7 @@
           <a:p>
             <a:fld id="{056BA3B8-9F76-4D81-B71D-76CB85363062}" type="datetimeFigureOut">
               <a:rPr lang="en-US" smtClean="0"/>
-              <a:t>1/3/2025</a:t>
+              <a:t>3/5/2025</a:t>
             </a:fld>
             <a:endParaRPr lang="en-US"/>
           </a:p>
@@ -601,7 +601,7 @@
           <a:p>
             <a:fld id="{6F01DA4D-20EA-48D2-973C-0311EC3005D6}" type="datetimeFigureOut">
               <a:rPr lang="en-US" smtClean="0"/>
-              <a:t>1/3/2025</a:t>
+              <a:t>3/5/2025</a:t>
             </a:fld>
             <a:endParaRPr lang="en-US"/>
           </a:p>
@@ -771,7 +771,7 @@
           <a:p>
             <a:fld id="{6F01DA4D-20EA-48D2-973C-0311EC3005D6}" type="datetimeFigureOut">
               <a:rPr lang="en-US" smtClean="0"/>
-              <a:t>1/3/2025</a:t>
+              <a:t>3/5/2025</a:t>
             </a:fld>
             <a:endParaRPr lang="en-US"/>
           </a:p>
@@ -951,7 +951,7 @@
           <a:p>
             <a:fld id="{6F01DA4D-20EA-48D2-973C-0311EC3005D6}" type="datetimeFigureOut">
               <a:rPr lang="en-US" smtClean="0"/>
-              <a:t>1/3/2025</a:t>
+              <a:t>3/5/2025</a:t>
             </a:fld>
             <a:endParaRPr lang="en-US"/>
           </a:p>
@@ -1121,7 +1121,7 @@
           <a:p>
             <a:fld id="{6F01DA4D-20EA-48D2-973C-0311EC3005D6}" type="datetimeFigureOut">
               <a:rPr lang="en-US" smtClean="0"/>
-              <a:t>1/3/2025</a:t>
+              <a:t>3/5/2025</a:t>
             </a:fld>
             <a:endParaRPr lang="en-US"/>
           </a:p>
@@ -1367,7 +1367,7 @@
           <a:p>
             <a:fld id="{6F01DA4D-20EA-48D2-973C-0311EC3005D6}" type="datetimeFigureOut">
               <a:rPr lang="en-US" smtClean="0"/>
-              <a:t>1/3/2025</a:t>
+              <a:t>3/5/2025</a:t>
             </a:fld>
             <a:endParaRPr lang="en-US"/>
           </a:p>
@@ -1599,7 +1599,7 @@
           <a:p>
             <a:fld id="{6F01DA4D-20EA-48D2-973C-0311EC3005D6}" type="datetimeFigureOut">
               <a:rPr lang="en-US" smtClean="0"/>
-              <a:t>1/3/2025</a:t>
+              <a:t>3/5/2025</a:t>
             </a:fld>
             <a:endParaRPr lang="en-US"/>
           </a:p>
@@ -1966,7 +1966,7 @@
           <a:p>
             <a:fld id="{6F01DA4D-20EA-48D2-973C-0311EC3005D6}" type="datetimeFigureOut">
               <a:rPr lang="en-US" smtClean="0"/>
-              <a:t>1/3/2025</a:t>
+              <a:t>3/5/2025</a:t>
             </a:fld>
             <a:endParaRPr lang="en-US"/>
           </a:p>
@@ -2084,7 +2084,7 @@
           <a:p>
             <a:fld id="{6F01DA4D-20EA-48D2-973C-0311EC3005D6}" type="datetimeFigureOut">
               <a:rPr lang="en-US" smtClean="0"/>
-              <a:t>1/3/2025</a:t>
+              <a:t>3/5/2025</a:t>
             </a:fld>
             <a:endParaRPr lang="en-US"/>
           </a:p>
@@ -2179,7 +2179,7 @@
           <a:p>
             <a:fld id="{6F01DA4D-20EA-48D2-973C-0311EC3005D6}" type="datetimeFigureOut">
               <a:rPr lang="en-US" smtClean="0"/>
-              <a:t>1/3/2025</a:t>
+              <a:t>3/5/2025</a:t>
             </a:fld>
             <a:endParaRPr lang="en-US"/>
           </a:p>
@@ -2456,7 +2456,7 @@
           <a:p>
             <a:fld id="{6F01DA4D-20EA-48D2-973C-0311EC3005D6}" type="datetimeFigureOut">
               <a:rPr lang="en-US" smtClean="0"/>
-              <a:t>1/3/2025</a:t>
+              <a:t>3/5/2025</a:t>
             </a:fld>
             <a:endParaRPr lang="en-US"/>
           </a:p>
@@ -2709,7 +2709,7 @@
           <a:p>
             <a:fld id="{6F01DA4D-20EA-48D2-973C-0311EC3005D6}" type="datetimeFigureOut">
               <a:rPr lang="en-US" smtClean="0"/>
-              <a:t>1/3/2025</a:t>
+              <a:t>3/5/2025</a:t>
             </a:fld>
             <a:endParaRPr lang="en-US"/>
           </a:p>
@@ -2922,7 +2922,7 @@
           <a:p>
             <a:fld id="{6F01DA4D-20EA-48D2-973C-0311EC3005D6}" type="datetimeFigureOut">
               <a:rPr lang="en-US" smtClean="0"/>
-              <a:t>1/3/2025</a:t>
+              <a:t>3/5/2025</a:t>
             </a:fld>
             <a:endParaRPr lang="en-US"/>
           </a:p>
@@ -3357,8 +3357,8 @@
           </a:bodyPr>
           <a:lstStyle/>
           <a:p>
-            <a:r>
-              <a:rPr lang="en-US" sz="8000" b="1" dirty="0" smtClean="0">
+            <a:r xmlns:a="http://schemas.openxmlformats.org/drawingml/2006/main">
+              <a:rPr lang="en" sz="8000" b="1" dirty="0" smtClean="0">
                 <a:solidFill>
                   <a:srgbClr val="7030A0"/>
                 </a:solidFill>
@@ -3368,7 +3368,7 @@
               </a:rPr>
               <a:t>Hierarchies</a:t>
             </a:r>
-            <a:endParaRPr lang="en-US" sz="8000" b="1" dirty="0">
+            <a:endParaRPr xmlns:a="http://schemas.openxmlformats.org/drawingml/2006/main" lang="en-US" sz="8000" b="1" dirty="0">
               <a:solidFill>
                 <a:srgbClr val="7030A0"/>
               </a:solidFill>
@@ -3401,8 +3401,8 @@
           </a:bodyPr>
           <a:lstStyle/>
           <a:p>
-            <a:r>
-              <a:rPr lang="fr-FR" sz="8000" b="1" dirty="0" err="1" smtClean="0">
+            <a:r xmlns:a="http://schemas.openxmlformats.org/drawingml/2006/main">
+              <a:rPr lang="en" sz="8000" b="1" dirty="0" err="1" smtClean="0">
                 <a:solidFill>
                   <a:schemeClr val="bg1"/>
                 </a:solidFill>
@@ -3412,7 +3412,7 @@
               </a:rPr>
               <a:t>Hierarchies</a:t>
             </a:r>
-            <a:endParaRPr lang="en-US" sz="8000" b="1" dirty="0">
+            <a:endParaRPr xmlns:a="http://schemas.openxmlformats.org/drawingml/2006/main" lang="en-US" sz="8000" b="1" dirty="0">
               <a:solidFill>
                 <a:schemeClr val="bg1"/>
               </a:solidFill>
@@ -3475,14 +3475,14 @@
           </a:bodyPr>
           <a:lstStyle/>
           <a:p>
-            <a:r>
-              <a:rPr lang="en-US" sz="2400" dirty="0" smtClean="0">
+            <a:r xmlns:a="http://schemas.openxmlformats.org/drawingml/2006/main">
+              <a:rPr lang="en" sz="2400" dirty="0" smtClean="0">
                 <a:latin typeface="Segoe UI" panose="020B0502040204020203" pitchFamily="34" charset="0"/>
                 <a:cs typeface="Segoe UI" panose="020B0502040204020203" pitchFamily="34" charset="0"/>
               </a:rPr>
               <a:t>Hierarchies</a:t>
             </a:r>
-            <a:endParaRPr lang="en-US" sz="2400" dirty="0">
+            <a:endParaRPr xmlns:a="http://schemas.openxmlformats.org/drawingml/2006/main" lang="en-US" sz="2400" dirty="0">
               <a:latin typeface="Segoe UI" panose="020B0502040204020203" pitchFamily="34" charset="0"/>
               <a:cs typeface="Segoe UI" panose="020B0502040204020203" pitchFamily="34" charset="0"/>
             </a:endParaRPr>
@@ -3491,14 +3491,14 @@
       </p:sp>
       <p:sp>
         <p:nvSpPr>
-          <p:cNvPr id="3" name="Rectangle 2"/>
+          <p:cNvPr id="4" name="Rectangle 3"/>
           <p:cNvSpPr/>
           <p:nvPr/>
         </p:nvSpPr>
         <p:spPr>
           <a:xfrm>
-            <a:off x="330008" y="872661"/>
-            <a:ext cx="10470911" cy="388696"/>
+            <a:off x="330008" y="1528876"/>
+            <a:ext cx="10551121" cy="685059"/>
           </a:xfrm>
           <a:prstGeom prst="rect">
             <a:avLst/>
@@ -3510,152 +3510,7 @@
           </a:bodyPr>
           <a:lstStyle/>
           <a:p>
-            <a:pPr>
-              <a:lnSpc>
-                <a:spcPct val="107000"/>
-              </a:lnSpc>
-              <a:spcBef>
-                <a:spcPts val="1200"/>
-              </a:spcBef>
-              <a:spcAft>
-                <a:spcPts val="0"/>
-              </a:spcAft>
-            </a:pPr>
-            <a:r>
-              <a:rPr lang="fr-FR" b="1" kern="0" dirty="0">
-                <a:latin typeface="Segoe UI" panose="020B0502040204020203" pitchFamily="34" charset="0"/>
-                <a:ea typeface="Times New Roman" panose="02020603050405020304" pitchFamily="18" charset="0"/>
-                <a:cs typeface="Times New Roman" panose="02020603050405020304" pitchFamily="18" charset="0"/>
-              </a:rPr>
-              <a:t>Note: </a:t>
-            </a:r>
-            <a:r>
-              <a:rPr lang="fr-FR" kern="0" dirty="0">
-                <a:latin typeface="Segoe UI" panose="020B0502040204020203" pitchFamily="34" charset="0"/>
-                <a:ea typeface="Times New Roman" panose="02020603050405020304" pitchFamily="18" charset="0"/>
-                <a:cs typeface="Times New Roman" panose="02020603050405020304" pitchFamily="18" charset="0"/>
-              </a:rPr>
-              <a:t>This </a:t>
-            </a:r>
-            <a:r>
-              <a:rPr lang="fr-FR" kern="0" dirty="0" err="1">
-                <a:latin typeface="Segoe UI" panose="020B0502040204020203" pitchFamily="34" charset="0"/>
-                <a:ea typeface="Times New Roman" panose="02020603050405020304" pitchFamily="18" charset="0"/>
-                <a:cs typeface="Times New Roman" panose="02020603050405020304" pitchFamily="18" charset="0"/>
-              </a:rPr>
-              <a:t>Lab</a:t>
-            </a:r>
-            <a:r>
-              <a:rPr lang="fr-FR" kern="0" dirty="0">
-                <a:latin typeface="Segoe UI" panose="020B0502040204020203" pitchFamily="34" charset="0"/>
-                <a:ea typeface="Times New Roman" panose="02020603050405020304" pitchFamily="18" charset="0"/>
-                <a:cs typeface="Times New Roman" panose="02020603050405020304" pitchFamily="18" charset="0"/>
-              </a:rPr>
-              <a:t> uses</a:t>
-            </a:r>
-            <a:r>
-              <a:rPr lang="fr-FR" b="1" kern="0" dirty="0">
-                <a:latin typeface="Segoe UI" panose="020B0502040204020203" pitchFamily="34" charset="0"/>
-                <a:ea typeface="Times New Roman" panose="02020603050405020304" pitchFamily="18" charset="0"/>
-                <a:cs typeface="Times New Roman" panose="02020603050405020304" pitchFamily="18" charset="0"/>
-              </a:rPr>
-              <a:t> the </a:t>
-            </a:r>
-            <a:r>
-              <a:rPr lang="fr-FR" b="1" kern="0" dirty="0" err="1">
-                <a:latin typeface="Segoe UI" panose="020B0502040204020203" pitchFamily="34" charset="0"/>
-                <a:ea typeface="Times New Roman" panose="02020603050405020304" pitchFamily="18" charset="0"/>
-                <a:cs typeface="Times New Roman" panose="02020603050405020304" pitchFamily="18" charset="0"/>
-              </a:rPr>
-              <a:t>Sales.xslx</a:t>
-            </a:r>
-            <a:r>
-              <a:rPr lang="fr-FR" b="1" kern="0" dirty="0">
-                <a:latin typeface="Segoe UI" panose="020B0502040204020203" pitchFamily="34" charset="0"/>
-                <a:ea typeface="Times New Roman" panose="02020603050405020304" pitchFamily="18" charset="0"/>
-                <a:cs typeface="Times New Roman" panose="02020603050405020304" pitchFamily="18" charset="0"/>
-              </a:rPr>
-              <a:t> </a:t>
-            </a:r>
-            <a:r>
-              <a:rPr lang="fr-FR" kern="0" dirty="0">
-                <a:latin typeface="Segoe UI" panose="020B0502040204020203" pitchFamily="34" charset="0"/>
-                <a:ea typeface="Times New Roman" panose="02020603050405020304" pitchFamily="18" charset="0"/>
-                <a:cs typeface="Times New Roman" panose="02020603050405020304" pitchFamily="18" charset="0"/>
-              </a:rPr>
-              <a:t>file </a:t>
-            </a:r>
-            <a:r>
-              <a:rPr lang="fr-FR" kern="0" dirty="0" err="1">
-                <a:latin typeface="Segoe UI" panose="020B0502040204020203" pitchFamily="34" charset="0"/>
-                <a:ea typeface="Times New Roman" panose="02020603050405020304" pitchFamily="18" charset="0"/>
-                <a:cs typeface="Times New Roman" panose="02020603050405020304" pitchFamily="18" charset="0"/>
-              </a:rPr>
-              <a:t>located</a:t>
-            </a:r>
-            <a:r>
-              <a:rPr lang="fr-FR" kern="0" dirty="0">
-                <a:latin typeface="Segoe UI" panose="020B0502040204020203" pitchFamily="34" charset="0"/>
-                <a:ea typeface="Times New Roman" panose="02020603050405020304" pitchFamily="18" charset="0"/>
-                <a:cs typeface="Times New Roman" panose="02020603050405020304" pitchFamily="18" charset="0"/>
-              </a:rPr>
-              <a:t> in the </a:t>
-            </a:r>
-            <a:r>
-              <a:rPr lang="fr-FR" b="1" kern="0" dirty="0" err="1">
-                <a:latin typeface="Segoe UI" panose="020B0502040204020203" pitchFamily="34" charset="0"/>
-                <a:ea typeface="Times New Roman" panose="02020603050405020304" pitchFamily="18" charset="0"/>
-                <a:cs typeface="Times New Roman" panose="02020603050405020304" pitchFamily="18" charset="0"/>
-              </a:rPr>
-              <a:t>resources</a:t>
-            </a:r>
-            <a:r>
-              <a:rPr lang="fr-FR" b="1" kern="0" dirty="0">
-                <a:latin typeface="Segoe UI" panose="020B0502040204020203" pitchFamily="34" charset="0"/>
-                <a:ea typeface="Times New Roman" panose="02020603050405020304" pitchFamily="18" charset="0"/>
-                <a:cs typeface="Times New Roman" panose="02020603050405020304" pitchFamily="18" charset="0"/>
-              </a:rPr>
-              <a:t>\Excel Source </a:t>
-            </a:r>
-            <a:r>
-              <a:rPr lang="fr-FR" b="1" kern="0" dirty="0" err="1">
-                <a:latin typeface="Segoe UI" panose="020B0502040204020203" pitchFamily="34" charset="0"/>
-                <a:ea typeface="Times New Roman" panose="02020603050405020304" pitchFamily="18" charset="0"/>
-                <a:cs typeface="Times New Roman" panose="02020603050405020304" pitchFamily="18" charset="0"/>
-              </a:rPr>
-              <a:t>folder</a:t>
-            </a:r>
-            <a:endParaRPr lang="en-US" sz="2800" b="1" kern="0" dirty="0">
-              <a:effectLst/>
-              <a:latin typeface="Segoe UI" panose="020B0502040204020203" pitchFamily="34" charset="0"/>
-              <a:ea typeface="Times New Roman" panose="02020603050405020304" pitchFamily="18" charset="0"/>
-              <a:cs typeface="Times New Roman" panose="02020603050405020304" pitchFamily="18" charset="0"/>
-            </a:endParaRPr>
-          </a:p>
-        </p:txBody>
-      </p:sp>
-      <p:sp>
-        <p:nvSpPr>
-          <p:cNvPr id="4" name="Rectangle 3"/>
-          <p:cNvSpPr/>
-          <p:nvPr/>
-        </p:nvSpPr>
-        <p:spPr>
-          <a:xfrm>
-            <a:off x="330008" y="1528876"/>
-            <a:ext cx="10551121" cy="685059"/>
-          </a:xfrm>
-          <a:prstGeom prst="rect">
-            <a:avLst/>
-          </a:prstGeom>
-        </p:spPr>
-        <p:txBody>
-          <a:bodyPr wrap="square">
-            <a:spAutoFit/>
-          </a:bodyPr>
-          <a:lstStyle/>
-          <a:p>
-            <a:pPr lvl="0">
+            <a:pPr xmlns:a="http://schemas.openxmlformats.org/drawingml/2006/main" lvl="0">
               <a:lnSpc>
                 <a:spcPct val="107000"/>
               </a:lnSpc>
@@ -3663,165 +3518,35 @@
                 <a:spcPts val="800"/>
               </a:spcAft>
             </a:pPr>
-            <a:r>
-              <a:rPr lang="en-US" dirty="0" smtClean="0">
-                <a:latin typeface="Segoe UI" panose="020B0502040204020203" pitchFamily="34" charset="0"/>
-                <a:ea typeface="Calibri" panose="020F0502020204030204" pitchFamily="34" charset="0"/>
-                <a:cs typeface="Times New Roman" panose="02020603050405020304" pitchFamily="18" charset="0"/>
-              </a:rPr>
-              <a:t>Navigate to the location of the </a:t>
-            </a:r>
-            <a:r>
-              <a:rPr lang="en-US" b="1" dirty="0" err="1" smtClean="0">
-                <a:latin typeface="Segoe UI" panose="020B0502040204020203" pitchFamily="34" charset="0"/>
-                <a:ea typeface="Calibri" panose="020F0502020204030204" pitchFamily="34" charset="0"/>
-                <a:cs typeface="Times New Roman" panose="02020603050405020304" pitchFamily="18" charset="0"/>
-              </a:rPr>
-              <a:t>SalesExcel.xslx</a:t>
-            </a:r>
-            <a:r>
-              <a:rPr lang="en-US" b="1" dirty="0" smtClean="0">
-                <a:latin typeface="Segoe UI" panose="020B0502040204020203" pitchFamily="34" charset="0"/>
-                <a:ea typeface="Calibri" panose="020F0502020204030204" pitchFamily="34" charset="0"/>
-                <a:cs typeface="Times New Roman" panose="02020603050405020304" pitchFamily="18" charset="0"/>
-              </a:rPr>
-              <a:t> file </a:t>
-            </a:r>
-            <a:r>
-              <a:rPr lang="en-US" dirty="0" smtClean="0">
-                <a:latin typeface="Segoe UI" panose="020B0502040204020203" pitchFamily="34" charset="0"/>
-                <a:ea typeface="Calibri" panose="020F0502020204030204" pitchFamily="34" charset="0"/>
-                <a:cs typeface="Times New Roman" panose="02020603050405020304" pitchFamily="18" charset="0"/>
-              </a:rPr>
-              <a:t>and load both tables </a:t>
-            </a:r>
-            <a:r>
-              <a:rPr lang="en-US" b="1" dirty="0" err="1" smtClean="0">
-                <a:latin typeface="Segoe UI" panose="020B0502040204020203" pitchFamily="34" charset="0"/>
-                <a:ea typeface="Calibri" panose="020F0502020204030204" pitchFamily="34" charset="0"/>
-                <a:cs typeface="Times New Roman" panose="02020603050405020304" pitchFamily="18" charset="0"/>
-              </a:rPr>
-              <a:t>DimDate</a:t>
-            </a:r>
-            <a:r>
-              <a:rPr lang="en-US" b="1" dirty="0" smtClean="0">
-                <a:latin typeface="Segoe UI" panose="020B0502040204020203" pitchFamily="34" charset="0"/>
-                <a:ea typeface="Calibri" panose="020F0502020204030204" pitchFamily="34" charset="0"/>
-                <a:cs typeface="Times New Roman" panose="02020603050405020304" pitchFamily="18" charset="0"/>
-              </a:rPr>
-              <a:t> </a:t>
-            </a:r>
-            <a:r>
-              <a:rPr lang="en-US" dirty="0" smtClean="0">
-                <a:latin typeface="Segoe UI" panose="020B0502040204020203" pitchFamily="34" charset="0"/>
-                <a:ea typeface="Calibri" panose="020F0502020204030204" pitchFamily="34" charset="0"/>
-                <a:cs typeface="Times New Roman" panose="02020603050405020304" pitchFamily="18" charset="0"/>
-              </a:rPr>
+            <a:r xmlns:a="http://schemas.openxmlformats.org/drawingml/2006/main">
+              <a:rPr lang="en" b="1" dirty="0" err="1"/>
+              <a:t>SalesExcel.xslx </a:t>
+            </a:r>
+            <a:r xmlns:a="http://schemas.openxmlformats.org/drawingml/2006/main">
+              <a:rPr lang="en" dirty="0"/>
+              <a:t>file </a:t>
+            </a:r>
+            <a:r xmlns:a="http://schemas.openxmlformats.org/drawingml/2006/main">
+              <a:rPr lang="en" dirty="0"/>
+              <a:t>and load both the </a:t>
+            </a:r>
+            <a:r xmlns:a="http://schemas.openxmlformats.org/drawingml/2006/main">
+              <a:rPr lang="en" b="1" dirty="0" err="1"/>
+              <a:t>DimDate </a:t>
+            </a:r>
+            <a:r xmlns:a="http://schemas.openxmlformats.org/drawingml/2006/main">
+              <a:rPr lang="en" dirty="0"/>
               <a:t>and </a:t>
             </a:r>
-            <a:r>
-              <a:rPr lang="en-US" b="1" dirty="0" err="1" smtClean="0">
-                <a:latin typeface="Segoe UI" panose="020B0502040204020203" pitchFamily="34" charset="0"/>
-                <a:ea typeface="Calibri" panose="020F0502020204030204" pitchFamily="34" charset="0"/>
-                <a:cs typeface="Times New Roman" panose="02020603050405020304" pitchFamily="18" charset="0"/>
-              </a:rPr>
-              <a:t>FactSales</a:t>
-            </a:r>
-            <a:r>
-              <a:rPr lang="en-US" b="1" dirty="0" smtClean="0">
-                <a:latin typeface="Segoe UI" panose="020B0502040204020203" pitchFamily="34" charset="0"/>
-                <a:ea typeface="Calibri" panose="020F0502020204030204" pitchFamily="34" charset="0"/>
-                <a:cs typeface="Times New Roman" panose="02020603050405020304" pitchFamily="18" charset="0"/>
-              </a:rPr>
-              <a:t> </a:t>
-            </a:r>
-            <a:r>
-              <a:rPr lang="en-US" dirty="0" smtClean="0">
-                <a:latin typeface="Segoe UI" panose="020B0502040204020203" pitchFamily="34" charset="0"/>
-                <a:ea typeface="Calibri" panose="020F0502020204030204" pitchFamily="34" charset="0"/>
-                <a:cs typeface="Times New Roman" panose="02020603050405020304" pitchFamily="18" charset="0"/>
-              </a:rPr>
-              <a:t>at the query editor level</a:t>
-            </a:r>
-            <a:endParaRPr lang="en-US" sz="1400" dirty="0">
-              <a:effectLst/>
-              <a:latin typeface="Calibri" panose="020F0502020204030204" pitchFamily="34" charset="0"/>
-              <a:ea typeface="Calibri" panose="020F0502020204030204" pitchFamily="34" charset="0"/>
-              <a:cs typeface="Times New Roman" panose="02020603050405020304" pitchFamily="18" charset="0"/>
-            </a:endParaRPr>
-          </a:p>
-        </p:txBody>
-      </p:sp>
-      <p:sp>
-        <p:nvSpPr>
-          <p:cNvPr id="5" name="Rectangle 4"/>
-          <p:cNvSpPr/>
-          <p:nvPr/>
-        </p:nvSpPr>
-        <p:spPr>
-          <a:xfrm>
-            <a:off x="380426" y="2309575"/>
-            <a:ext cx="10200487" cy="373692"/>
-          </a:xfrm>
-          <a:prstGeom prst="rect">
-            <a:avLst/>
-          </a:prstGeom>
-        </p:spPr>
-        <p:txBody>
-          <a:bodyPr wrap="square">
-            <a:spAutoFit/>
-          </a:bodyPr>
-          <a:lstStyle/>
-          <a:p>
-            <a:pPr lvl="0">
-              <a:lnSpc>
-                <a:spcPct val="107000"/>
-              </a:lnSpc>
-              <a:spcAft>
-                <a:spcPts val="800"/>
-              </a:spcAft>
-            </a:pPr>
-            <a:r>
-              <a:rPr lang="en-US" dirty="0" smtClean="0">
-                <a:latin typeface="Segoe UI" panose="020B0502040204020203" pitchFamily="34" charset="0"/>
-                <a:ea typeface="Calibri" panose="020F0502020204030204" pitchFamily="34" charset="0"/>
-                <a:cs typeface="Times New Roman" panose="02020603050405020304" pitchFamily="18" charset="0"/>
-              </a:rPr>
-              <a:t>Check that the relationship is well established between </a:t>
-            </a:r>
-            <a:r>
-              <a:rPr lang="en-US" b="1" dirty="0" err="1" smtClean="0">
-                <a:latin typeface="Segoe UI" panose="020B0502040204020203" pitchFamily="34" charset="0"/>
-                <a:ea typeface="Calibri" panose="020F0502020204030204" pitchFamily="34" charset="0"/>
-                <a:cs typeface="Times New Roman" panose="02020603050405020304" pitchFamily="18" charset="0"/>
-              </a:rPr>
-              <a:t>DimDate</a:t>
-            </a:r>
-            <a:r>
-              <a:rPr lang="en-US" b="1" dirty="0" smtClean="0">
-                <a:latin typeface="Segoe UI" panose="020B0502040204020203" pitchFamily="34" charset="0"/>
-                <a:ea typeface="Calibri" panose="020F0502020204030204" pitchFamily="34" charset="0"/>
-                <a:cs typeface="Times New Roman" panose="02020603050405020304" pitchFamily="18" charset="0"/>
-              </a:rPr>
-              <a:t> </a:t>
-            </a:r>
-            <a:r>
-              <a:rPr lang="en-US" dirty="0" smtClean="0">
-                <a:latin typeface="Segoe UI" panose="020B0502040204020203" pitchFamily="34" charset="0"/>
-                <a:ea typeface="Calibri" panose="020F0502020204030204" pitchFamily="34" charset="0"/>
-                <a:cs typeface="Times New Roman" panose="02020603050405020304" pitchFamily="18" charset="0"/>
-              </a:rPr>
-              <a:t>and </a:t>
-            </a:r>
-            <a:r>
-              <a:rPr lang="en-US" b="1" dirty="0" err="1" smtClean="0">
-                <a:latin typeface="Segoe UI" panose="020B0502040204020203" pitchFamily="34" charset="0"/>
-                <a:ea typeface="Calibri" panose="020F0502020204030204" pitchFamily="34" charset="0"/>
-                <a:cs typeface="Times New Roman" panose="02020603050405020304" pitchFamily="18" charset="0"/>
-              </a:rPr>
-              <a:t>FactSales</a:t>
-            </a:r>
-            <a:endParaRPr lang="en-US" sz="1400" dirty="0">
+            <a:r xmlns:a="http://schemas.openxmlformats.org/drawingml/2006/main">
+              <a:rPr lang="en" b="1" dirty="0"/>
+              <a:t>FactSales tables </a:t>
+            </a:r>
+            <a:r xmlns:a="http://schemas.openxmlformats.org/drawingml/2006/main">
+              <a:rPr lang="en" dirty="0"/>
+              <a:t>into the query editor.</a:t>
+            </a:r>
+            <a:endParaRPr xmlns:a="http://schemas.openxmlformats.org/drawingml/2006/main" lang="en-US" sz="1400" dirty="0">
               <a:effectLst/>
               <a:latin typeface="Calibri" panose="020F0502020204030204" pitchFamily="34" charset="0"/>
               <a:ea typeface="Calibri" panose="020F0502020204030204" pitchFamily="34" charset="0"/>
@@ -3851,7 +3576,7 @@
         </p:blipFill>
         <p:spPr bwMode="auto">
           <a:xfrm>
-            <a:off x="3226043" y="2930161"/>
+            <a:off x="3207876" y="2964887"/>
             <a:ext cx="5629910" cy="3508375"/>
           </a:xfrm>
           <a:prstGeom prst="rect">
@@ -3869,6 +3594,100 @@
           </a:effectLst>
         </p:spPr>
       </p:pic>
+      <p:sp>
+        <p:nvSpPr>
+          <p:cNvPr id="7" name="Rectangle 6"/>
+          <p:cNvSpPr/>
+          <p:nvPr/>
+        </p:nvSpPr>
+        <p:spPr>
+          <a:xfrm>
+            <a:off x="380425" y="759098"/>
+            <a:ext cx="9980755" cy="369332"/>
+          </a:xfrm>
+          <a:prstGeom prst="rect">
+            <a:avLst/>
+          </a:prstGeom>
+        </p:spPr>
+        <p:txBody>
+          <a:bodyPr wrap="square">
+            <a:spAutoFit/>
+          </a:bodyPr>
+          <a:lstStyle/>
+          <a:p>
+            <a:r xmlns:a="http://schemas.openxmlformats.org/drawingml/2006/main">
+              <a:rPr lang="en" b="1" dirty="0"/>
+              <a:t>Note: </a:t>
+            </a:r>
+            <a:r xmlns:a="http://schemas.openxmlformats.org/drawingml/2006/main">
+              <a:rPr lang="en" dirty="0" smtClean="0"/>
+              <a:t>This workshop uses the </a:t>
+            </a:r>
+            <a:r xmlns:a="http://schemas.openxmlformats.org/drawingml/2006/main">
+              <a:rPr lang="en" b="1" dirty="0" err="1"/>
+              <a:t>Sales.xslx </a:t>
+            </a:r>
+            <a:r xmlns:a="http://schemas.openxmlformats.org/drawingml/2006/main">
+              <a:rPr lang="en" dirty="0"/>
+              <a:t>file </a:t>
+            </a:r>
+            <a:r xmlns:a="http://schemas.openxmlformats.org/drawingml/2006/main">
+              <a:rPr lang="en" dirty="0"/>
+              <a:t>located in the </a:t>
+            </a:r>
+            <a:r xmlns:a="http://schemas.openxmlformats.org/drawingml/2006/main">
+              <a:rPr lang="en" b="1" dirty="0" smtClean="0"/>
+              <a:t>sources\Excel Sources folder</a:t>
+            </a:r>
+            <a:endParaRPr xmlns:a="http://schemas.openxmlformats.org/drawingml/2006/main" lang="en-US" dirty="0"/>
+          </a:p>
+        </p:txBody>
+      </p:sp>
+      <p:sp>
+        <p:nvSpPr>
+          <p:cNvPr id="8" name="Rectangle 7"/>
+          <p:cNvSpPr/>
+          <p:nvPr/>
+        </p:nvSpPr>
+        <p:spPr>
+          <a:xfrm>
+            <a:off x="380425" y="2429715"/>
+            <a:ext cx="8333625" cy="369332"/>
+          </a:xfrm>
+          <a:prstGeom prst="rect">
+            <a:avLst/>
+          </a:prstGeom>
+        </p:spPr>
+        <p:txBody>
+          <a:bodyPr wrap="square">
+            <a:spAutoFit/>
+          </a:bodyPr>
+          <a:lstStyle/>
+          <a:p>
+            <a:r xmlns:a="http://schemas.openxmlformats.org/drawingml/2006/main">
+              <a:rPr lang="en" dirty="0"/>
+              <a:t>Check that the relationship is established between </a:t>
+            </a:r>
+            <a:r xmlns:a="http://schemas.openxmlformats.org/drawingml/2006/main">
+              <a:rPr lang="en" b="1" dirty="0" err="1"/>
+              <a:t>DimDate </a:t>
+            </a:r>
+            <a:r xmlns:a="http://schemas.openxmlformats.org/drawingml/2006/main">
+              <a:rPr lang="en" dirty="0"/>
+              <a:t>and </a:t>
+            </a:r>
+            <a:r xmlns:a="http://schemas.openxmlformats.org/drawingml/2006/main">
+              <a:rPr lang="en" b="1" dirty="0"/>
+              <a:t>FactSales </a:t>
+            </a:r>
+            <a:r xmlns:a="http://schemas.openxmlformats.org/drawingml/2006/main">
+              <a:rPr lang="en" dirty="0"/>
+              <a:t>.</a:t>
+            </a:r>
+            <a:endParaRPr xmlns:a="http://schemas.openxmlformats.org/drawingml/2006/main" lang="en-US" dirty="0"/>
+          </a:p>
+        </p:txBody>
+      </p:sp>
     </p:spTree>
     <p:extLst>
       <p:ext uri="{BB962C8B-B14F-4D97-AF65-F5344CB8AC3E}">
@@ -3921,204 +3740,16 @@
           </a:bodyPr>
           <a:lstStyle/>
           <a:p>
-            <a:r>
-              <a:rPr lang="en-US" sz="2400" dirty="0" smtClean="0">
+            <a:r xmlns:a="http://schemas.openxmlformats.org/drawingml/2006/main">
+              <a:rPr lang="en" sz="2400" dirty="0" smtClean="0">
                 <a:latin typeface="Segoe UI" panose="020B0502040204020203" pitchFamily="34" charset="0"/>
                 <a:cs typeface="Segoe UI" panose="020B0502040204020203" pitchFamily="34" charset="0"/>
               </a:rPr>
               <a:t>Hierarchies</a:t>
             </a:r>
-            <a:endParaRPr lang="en-US" sz="2400" dirty="0">
+            <a:endParaRPr xmlns:a="http://schemas.openxmlformats.org/drawingml/2006/main" lang="en-US" sz="2400" dirty="0">
               <a:latin typeface="Segoe UI" panose="020B0502040204020203" pitchFamily="34" charset="0"/>
               <a:cs typeface="Segoe UI" panose="020B0502040204020203" pitchFamily="34" charset="0"/>
-            </a:endParaRPr>
-          </a:p>
-        </p:txBody>
-      </p:sp>
-      <p:sp>
-        <p:nvSpPr>
-          <p:cNvPr id="7" name="Rectangle 6"/>
-          <p:cNvSpPr/>
-          <p:nvPr/>
-        </p:nvSpPr>
-        <p:spPr>
-          <a:xfrm>
-            <a:off x="449178" y="962038"/>
-            <a:ext cx="7801047" cy="388696"/>
-          </a:xfrm>
-          <a:prstGeom prst="rect">
-            <a:avLst/>
-          </a:prstGeom>
-        </p:spPr>
-        <p:txBody>
-          <a:bodyPr wrap="square">
-            <a:spAutoFit/>
-          </a:bodyPr>
-          <a:lstStyle/>
-          <a:p>
-            <a:pPr lvl="0">
-              <a:lnSpc>
-                <a:spcPct val="107000"/>
-              </a:lnSpc>
-              <a:spcAft>
-                <a:spcPts val="800"/>
-              </a:spcAft>
-            </a:pPr>
-            <a:r>
-              <a:rPr lang="fr-FR" dirty="0">
-                <a:latin typeface="Segoe UI" panose="020B0502040204020203" pitchFamily="34" charset="0"/>
-                <a:ea typeface="Calibri" panose="020F0502020204030204" pitchFamily="34" charset="0"/>
-                <a:cs typeface="Times New Roman" panose="02020603050405020304" pitchFamily="18" charset="0"/>
-              </a:rPr>
-              <a:t>Select </a:t>
-            </a:r>
-            <a:r>
-              <a:rPr lang="fr-FR" b="1" dirty="0" err="1">
-                <a:latin typeface="Segoe UI" panose="020B0502040204020203" pitchFamily="34" charset="0"/>
-                <a:ea typeface="Calibri" panose="020F0502020204030204" pitchFamily="34" charset="0"/>
-                <a:cs typeface="Times New Roman" panose="02020603050405020304" pitchFamily="18" charset="0"/>
-              </a:rPr>
-              <a:t>Year</a:t>
-            </a:r>
-            <a:r>
-              <a:rPr lang="fr-FR" b="1" dirty="0">
-                <a:latin typeface="Segoe UI" panose="020B0502040204020203" pitchFamily="34" charset="0"/>
-                <a:ea typeface="Calibri" panose="020F0502020204030204" pitchFamily="34" charset="0"/>
-                <a:cs typeface="Times New Roman" panose="02020603050405020304" pitchFamily="18" charset="0"/>
-              </a:rPr>
-              <a:t> </a:t>
-            </a:r>
-            <a:r>
-              <a:rPr lang="fr-FR" dirty="0">
-                <a:latin typeface="Segoe UI" panose="020B0502040204020203" pitchFamily="34" charset="0"/>
-                <a:ea typeface="Calibri" panose="020F0502020204030204" pitchFamily="34" charset="0"/>
-                <a:cs typeface="Times New Roman" panose="02020603050405020304" pitchFamily="18" charset="0"/>
-              </a:rPr>
-              <a:t>and right click mouse, </a:t>
-            </a:r>
-            <a:r>
-              <a:rPr lang="fr-FR" dirty="0" err="1">
-                <a:latin typeface="Segoe UI" panose="020B0502040204020203" pitchFamily="34" charset="0"/>
-                <a:ea typeface="Calibri" panose="020F0502020204030204" pitchFamily="34" charset="0"/>
-                <a:cs typeface="Times New Roman" panose="02020603050405020304" pitchFamily="18" charset="0"/>
-              </a:rPr>
-              <a:t>then</a:t>
-            </a:r>
-            <a:r>
-              <a:rPr lang="fr-FR" dirty="0">
-                <a:latin typeface="Segoe UI" panose="020B0502040204020203" pitchFamily="34" charset="0"/>
-                <a:ea typeface="Calibri" panose="020F0502020204030204" pitchFamily="34" charset="0"/>
-                <a:cs typeface="Times New Roman" panose="02020603050405020304" pitchFamily="18" charset="0"/>
-              </a:rPr>
-              <a:t> </a:t>
-            </a:r>
-            <a:r>
-              <a:rPr lang="fr-FR" dirty="0" err="1" smtClean="0">
-                <a:latin typeface="Segoe UI" panose="020B0502040204020203" pitchFamily="34" charset="0"/>
-                <a:ea typeface="Calibri" panose="020F0502020204030204" pitchFamily="34" charset="0"/>
-                <a:cs typeface="Times New Roman" panose="02020603050405020304" pitchFamily="18" charset="0"/>
-              </a:rPr>
-              <a:t>apply</a:t>
-            </a:r>
-            <a:r>
-              <a:rPr lang="fr-FR" dirty="0">
-                <a:latin typeface="Segoe UI" panose="020B0502040204020203" pitchFamily="34" charset="0"/>
-                <a:ea typeface="Calibri" panose="020F0502020204030204" pitchFamily="34" charset="0"/>
-                <a:cs typeface="Times New Roman" panose="02020603050405020304" pitchFamily="18" charset="0"/>
-              </a:rPr>
-              <a:t> </a:t>
-            </a:r>
-            <a:r>
-              <a:rPr lang="fr-FR" b="1" dirty="0" err="1" smtClean="0">
-                <a:latin typeface="Segoe UI" panose="020B0502040204020203" pitchFamily="34" charset="0"/>
-                <a:ea typeface="Calibri" panose="020F0502020204030204" pitchFamily="34" charset="0"/>
-                <a:cs typeface="Times New Roman" panose="02020603050405020304" pitchFamily="18" charset="0"/>
-              </a:rPr>
-              <a:t>Create</a:t>
-            </a:r>
-            <a:r>
-              <a:rPr lang="fr-FR" b="1" dirty="0" smtClean="0">
-                <a:latin typeface="Segoe UI" panose="020B0502040204020203" pitchFamily="34" charset="0"/>
-                <a:ea typeface="Calibri" panose="020F0502020204030204" pitchFamily="34" charset="0"/>
-                <a:cs typeface="Times New Roman" panose="02020603050405020304" pitchFamily="18" charset="0"/>
-              </a:rPr>
-              <a:t> </a:t>
-            </a:r>
-            <a:r>
-              <a:rPr lang="fr-FR" b="1" dirty="0" err="1">
-                <a:latin typeface="Segoe UI" panose="020B0502040204020203" pitchFamily="34" charset="0"/>
-                <a:ea typeface="Calibri" panose="020F0502020204030204" pitchFamily="34" charset="0"/>
-                <a:cs typeface="Times New Roman" panose="02020603050405020304" pitchFamily="18" charset="0"/>
-              </a:rPr>
-              <a:t>Hierarchy</a:t>
-            </a:r>
-            <a:endParaRPr lang="en-US" sz="1400" dirty="0">
-              <a:effectLst/>
-              <a:latin typeface="Calibri" panose="020F0502020204030204" pitchFamily="34" charset="0"/>
-              <a:ea typeface="Calibri" panose="020F0502020204030204" pitchFamily="34" charset="0"/>
-              <a:cs typeface="Times New Roman" panose="02020603050405020304" pitchFamily="18" charset="0"/>
-            </a:endParaRPr>
-          </a:p>
-        </p:txBody>
-      </p:sp>
-      <p:sp>
-        <p:nvSpPr>
-          <p:cNvPr id="9" name="Rectangle 8"/>
-          <p:cNvSpPr/>
-          <p:nvPr/>
-        </p:nvSpPr>
-        <p:spPr>
-          <a:xfrm>
-            <a:off x="511055" y="3516012"/>
-            <a:ext cx="6962273" cy="373692"/>
-          </a:xfrm>
-          <a:prstGeom prst="rect">
-            <a:avLst/>
-          </a:prstGeom>
-        </p:spPr>
-        <p:txBody>
-          <a:bodyPr wrap="square">
-            <a:spAutoFit/>
-          </a:bodyPr>
-          <a:lstStyle/>
-          <a:p>
-            <a:pPr lvl="0">
-              <a:lnSpc>
-                <a:spcPct val="107000"/>
-              </a:lnSpc>
-              <a:spcAft>
-                <a:spcPts val="800"/>
-              </a:spcAft>
-            </a:pPr>
-            <a:r>
-              <a:rPr lang="en-US" dirty="0" smtClean="0">
-                <a:latin typeface="Segoe UI" panose="020B0502040204020203" pitchFamily="34" charset="0"/>
-                <a:ea typeface="Calibri" panose="020F0502020204030204" pitchFamily="34" charset="0"/>
-                <a:cs typeface="Times New Roman" panose="02020603050405020304" pitchFamily="18" charset="0"/>
-              </a:rPr>
-              <a:t>Notice the presence of a new field with a </a:t>
-            </a:r>
-            <a:r>
-              <a:rPr lang="en-US" b="1" dirty="0" smtClean="0">
-                <a:latin typeface="Segoe UI" panose="020B0502040204020203" pitchFamily="34" charset="0"/>
-                <a:ea typeface="Calibri" panose="020F0502020204030204" pitchFamily="34" charset="0"/>
-                <a:cs typeface="Times New Roman" panose="02020603050405020304" pitchFamily="18" charset="0"/>
-              </a:rPr>
-              <a:t>Year element </a:t>
-            </a:r>
-            <a:r>
-              <a:rPr lang="en-US" dirty="0" smtClean="0">
-                <a:latin typeface="Segoe UI" panose="020B0502040204020203" pitchFamily="34" charset="0"/>
-                <a:ea typeface="Calibri" panose="020F0502020204030204" pitchFamily="34" charset="0"/>
-                <a:cs typeface="Times New Roman" panose="02020603050405020304" pitchFamily="18" charset="0"/>
-              </a:rPr>
-              <a:t>in it</a:t>
-            </a:r>
-            <a:endParaRPr lang="en-US" sz="1400" dirty="0">
-              <a:effectLst/>
-              <a:latin typeface="Calibri" panose="020F0502020204030204" pitchFamily="34" charset="0"/>
-              <a:ea typeface="Calibri" panose="020F0502020204030204" pitchFamily="34" charset="0"/>
-              <a:cs typeface="Times New Roman" panose="02020603050405020304" pitchFamily="18" charset="0"/>
             </a:endParaRPr>
           </a:p>
         </p:txBody>
@@ -4311,6 +3942,92 @@
           <a:p>
             <a:pPr algn="ctr"/>
             <a:endParaRPr lang="en-US"/>
+          </a:p>
+        </p:txBody>
+      </p:sp>
+      <p:sp>
+        <p:nvSpPr>
+          <p:cNvPr id="3" name="Rectangle 2"/>
+          <p:cNvSpPr/>
+          <p:nvPr/>
+        </p:nvSpPr>
+        <p:spPr>
+          <a:xfrm>
+            <a:off x="330008" y="796460"/>
+            <a:ext cx="9201551" cy="369332"/>
+          </a:xfrm>
+          <a:prstGeom prst="rect">
+            <a:avLst/>
+          </a:prstGeom>
+        </p:spPr>
+        <p:txBody>
+          <a:bodyPr wrap="square">
+            <a:spAutoFit/>
+          </a:bodyPr>
+          <a:lstStyle/>
+          <a:p>
+            <a:r xmlns:a="http://schemas.openxmlformats.org/drawingml/2006/main">
+              <a:rPr lang="en" dirty="0"/>
+              <a:t>Select </a:t>
+            </a:r>
+            <a:r xmlns:a="http://schemas.openxmlformats.org/drawingml/2006/main">
+              <a:rPr lang="en" dirty="0" smtClean="0"/>
+              <a:t>the </a:t>
+            </a:r>
+            <a:r xmlns:a="http://schemas.openxmlformats.org/drawingml/2006/main">
+              <a:rPr lang="en" b="1" dirty="0" smtClean="0"/>
+              <a:t>Year</a:t>
+            </a:r>
+            <a:r xmlns:a="http://schemas.openxmlformats.org/drawingml/2006/main">
+              <a:rPr lang="en" dirty="0" smtClean="0"/>
+              <a:t> </a:t>
+            </a:r>
+            <a:r xmlns:a="http://schemas.openxmlformats.org/drawingml/2006/main">
+              <a:rPr lang="en" dirty="0"/>
+              <a:t>and right click, then apply </a:t>
+            </a:r>
+            <a:r xmlns:a="http://schemas.openxmlformats.org/drawingml/2006/main">
+              <a:rPr lang="en" b="1" dirty="0"/>
+              <a:t>"Create Hierarchy </a:t>
+            </a:r>
+            <a:r xmlns:a="http://schemas.openxmlformats.org/drawingml/2006/main">
+              <a:rPr lang="en" b="1" dirty="0" smtClean="0"/>
+              <a:t>"</a:t>
+            </a:r>
+            <a:endParaRPr xmlns:a="http://schemas.openxmlformats.org/drawingml/2006/main" lang="en-US" dirty="0"/>
+          </a:p>
+        </p:txBody>
+      </p:sp>
+      <p:sp>
+        <p:nvSpPr>
+          <p:cNvPr id="4" name="Rectangle 3"/>
+          <p:cNvSpPr/>
+          <p:nvPr/>
+        </p:nvSpPr>
+        <p:spPr>
+          <a:xfrm>
+            <a:off x="510690" y="3491126"/>
+            <a:ext cx="7852133" cy="369332"/>
+          </a:xfrm>
+          <a:prstGeom prst="rect">
+            <a:avLst/>
+          </a:prstGeom>
+        </p:spPr>
+        <p:txBody>
+          <a:bodyPr wrap="square">
+            <a:spAutoFit/>
+          </a:bodyPr>
+          <a:lstStyle/>
+          <a:p>
+            <a:r xmlns:a="http://schemas.openxmlformats.org/drawingml/2006/main">
+              <a:rPr lang="en" dirty="0"/>
+              <a:t>Notice the presence of a new field with a Year element </a:t>
+            </a:r>
+            <a:r xmlns:a="http://schemas.openxmlformats.org/drawingml/2006/main">
+              <a:rPr lang="en" dirty="0" smtClean="0"/>
+              <a:t>in it</a:t>
+            </a:r>
+            <a:endParaRPr xmlns:a="http://schemas.openxmlformats.org/drawingml/2006/main" lang="en-US" dirty="0"/>
           </a:p>
         </p:txBody>
       </p:sp>
@@ -4366,118 +4083,16 @@
           </a:bodyPr>
           <a:lstStyle/>
           <a:p>
-            <a:r>
-              <a:rPr lang="en-US" sz="2400" dirty="0" smtClean="0">
+            <a:r xmlns:a="http://schemas.openxmlformats.org/drawingml/2006/main">
+              <a:rPr lang="en" sz="2400" dirty="0" smtClean="0">
                 <a:latin typeface="Segoe UI" panose="020B0502040204020203" pitchFamily="34" charset="0"/>
                 <a:cs typeface="Segoe UI" panose="020B0502040204020203" pitchFamily="34" charset="0"/>
               </a:rPr>
               <a:t>Hierarchies</a:t>
             </a:r>
-            <a:endParaRPr lang="en-US" sz="2400" dirty="0">
+            <a:endParaRPr xmlns:a="http://schemas.openxmlformats.org/drawingml/2006/main" lang="en-US" sz="2400" dirty="0">
               <a:latin typeface="Segoe UI" panose="020B0502040204020203" pitchFamily="34" charset="0"/>
               <a:cs typeface="Segoe UI" panose="020B0502040204020203" pitchFamily="34" charset="0"/>
-            </a:endParaRPr>
-          </a:p>
-        </p:txBody>
-      </p:sp>
-      <p:sp>
-        <p:nvSpPr>
-          <p:cNvPr id="3" name="Rectangle 2"/>
-          <p:cNvSpPr/>
-          <p:nvPr/>
-        </p:nvSpPr>
-        <p:spPr>
-          <a:xfrm>
-            <a:off x="330008" y="848962"/>
-            <a:ext cx="11582591" cy="373692"/>
-          </a:xfrm>
-          <a:prstGeom prst="rect">
-            <a:avLst/>
-          </a:prstGeom>
-        </p:spPr>
-        <p:txBody>
-          <a:bodyPr wrap="square">
-            <a:spAutoFit/>
-          </a:bodyPr>
-          <a:lstStyle/>
-          <a:p>
-            <a:pPr lvl="0">
-              <a:lnSpc>
-                <a:spcPct val="107000"/>
-              </a:lnSpc>
-              <a:spcAft>
-                <a:spcPts val="800"/>
-              </a:spcAft>
-            </a:pPr>
-            <a:r>
-              <a:rPr lang="en-US" dirty="0" smtClean="0">
-                <a:latin typeface="Segoe UI" panose="020B0502040204020203" pitchFamily="34" charset="0"/>
-                <a:ea typeface="Calibri" panose="020F0502020204030204" pitchFamily="34" charset="0"/>
-                <a:cs typeface="Times New Roman" panose="02020603050405020304" pitchFamily="18" charset="0"/>
-              </a:rPr>
-              <a:t>Add </a:t>
-            </a:r>
-            <a:r>
-              <a:rPr lang="en-US" b="1" dirty="0" err="1" smtClean="0">
-                <a:latin typeface="Segoe UI" panose="020B0502040204020203" pitchFamily="34" charset="0"/>
-                <a:ea typeface="Calibri" panose="020F0502020204030204" pitchFamily="34" charset="0"/>
-                <a:cs typeface="Times New Roman" panose="02020603050405020304" pitchFamily="18" charset="0"/>
-              </a:rPr>
-              <a:t>MonthName</a:t>
-            </a:r>
-            <a:r>
-              <a:rPr lang="en-US" b="1" dirty="0" smtClean="0">
-                <a:latin typeface="Segoe UI" panose="020B0502040204020203" pitchFamily="34" charset="0"/>
-                <a:ea typeface="Calibri" panose="020F0502020204030204" pitchFamily="34" charset="0"/>
-                <a:cs typeface="Times New Roman" panose="02020603050405020304" pitchFamily="18" charset="0"/>
-              </a:rPr>
-              <a:t> </a:t>
-            </a:r>
-            <a:r>
-              <a:rPr lang="en-US" dirty="0" smtClean="0">
-                <a:latin typeface="Segoe UI" panose="020B0502040204020203" pitchFamily="34" charset="0"/>
-                <a:ea typeface="Calibri" panose="020F0502020204030204" pitchFamily="34" charset="0"/>
-                <a:cs typeface="Times New Roman" panose="02020603050405020304" pitchFamily="18" charset="0"/>
-              </a:rPr>
-              <a:t>in just under </a:t>
-            </a:r>
-            <a:r>
-              <a:rPr lang="en-US" b="1" dirty="0" smtClean="0">
-                <a:latin typeface="Segoe UI" panose="020B0502040204020203" pitchFamily="34" charset="0"/>
-                <a:ea typeface="Calibri" panose="020F0502020204030204" pitchFamily="34" charset="0"/>
-                <a:cs typeface="Times New Roman" panose="02020603050405020304" pitchFamily="18" charset="0"/>
-              </a:rPr>
-              <a:t>Year</a:t>
-            </a:r>
-            <a:r>
-              <a:rPr lang="en-US" dirty="0" smtClean="0">
-                <a:latin typeface="Segoe UI" panose="020B0502040204020203" pitchFamily="34" charset="0"/>
-                <a:ea typeface="Calibri" panose="020F0502020204030204" pitchFamily="34" charset="0"/>
-                <a:cs typeface="Times New Roman" panose="02020603050405020304" pitchFamily="18" charset="0"/>
-              </a:rPr>
-              <a:t>, by right clicking it and adding it to </a:t>
-            </a:r>
-            <a:r>
-              <a:rPr lang="en-US" b="1" dirty="0" smtClean="0">
-                <a:latin typeface="Segoe UI" panose="020B0502040204020203" pitchFamily="34" charset="0"/>
-                <a:ea typeface="Calibri" panose="020F0502020204030204" pitchFamily="34" charset="0"/>
-                <a:cs typeface="Times New Roman" panose="02020603050405020304" pitchFamily="18" charset="0"/>
-              </a:rPr>
-              <a:t>Year hierarchy </a:t>
-            </a:r>
-            <a:r>
-              <a:rPr lang="en-US" dirty="0" smtClean="0">
-                <a:latin typeface="Segoe UI" panose="020B0502040204020203" pitchFamily="34" charset="0"/>
-                <a:ea typeface="Calibri" panose="020F0502020204030204" pitchFamily="34" charset="0"/>
-                <a:cs typeface="Times New Roman" panose="02020603050405020304" pitchFamily="18" charset="0"/>
-              </a:rPr>
-              <a:t> </a:t>
-            </a:r>
-            <a:endParaRPr lang="en-US" sz="1400" dirty="0">
-              <a:effectLst/>
-              <a:latin typeface="Calibri" panose="020F0502020204030204" pitchFamily="34" charset="0"/>
-              <a:ea typeface="Calibri" panose="020F0502020204030204" pitchFamily="34" charset="0"/>
-              <a:cs typeface="Times New Roman" panose="02020603050405020304" pitchFamily="18" charset="0"/>
             </a:endParaRPr>
           </a:p>
         </p:txBody>
@@ -4521,132 +4136,6 @@
           </a:effectLst>
         </p:spPr>
       </p:pic>
-      <p:sp>
-        <p:nvSpPr>
-          <p:cNvPr id="4" name="Rectangle 3"/>
-          <p:cNvSpPr/>
-          <p:nvPr/>
-        </p:nvSpPr>
-        <p:spPr>
-          <a:xfrm>
-            <a:off x="438595" y="3425946"/>
-            <a:ext cx="11276723" cy="685059"/>
-          </a:xfrm>
-          <a:prstGeom prst="rect">
-            <a:avLst/>
-          </a:prstGeom>
-        </p:spPr>
-        <p:txBody>
-          <a:bodyPr wrap="square">
-            <a:spAutoFit/>
-          </a:bodyPr>
-          <a:lstStyle/>
-          <a:p>
-            <a:pPr lvl="0">
-              <a:lnSpc>
-                <a:spcPct val="107000"/>
-              </a:lnSpc>
-              <a:spcAft>
-                <a:spcPts val="800"/>
-              </a:spcAft>
-            </a:pPr>
-            <a:r>
-              <a:rPr lang="en-US" dirty="0" smtClean="0">
-                <a:latin typeface="Segoe UI" panose="020B0502040204020203" pitchFamily="34" charset="0"/>
-                <a:ea typeface="Calibri" panose="020F0502020204030204" pitchFamily="34" charset="0"/>
-                <a:cs typeface="Times New Roman" panose="02020603050405020304" pitchFamily="18" charset="0"/>
-              </a:rPr>
-              <a:t>Add a </a:t>
-            </a:r>
-            <a:r>
-              <a:rPr lang="en-US" b="1" dirty="0" smtClean="0">
-                <a:latin typeface="Segoe UI" panose="020B0502040204020203" pitchFamily="34" charset="0"/>
-                <a:ea typeface="Calibri" panose="020F0502020204030204" pitchFamily="34" charset="0"/>
-                <a:cs typeface="Times New Roman" panose="02020603050405020304" pitchFamily="18" charset="0"/>
-              </a:rPr>
-              <a:t>Clustered column</a:t>
-            </a:r>
-            <a:r>
-              <a:rPr lang="en-US" dirty="0" smtClean="0">
-                <a:latin typeface="Segoe UI" panose="020B0502040204020203" pitchFamily="34" charset="0"/>
-                <a:ea typeface="Calibri" panose="020F0502020204030204" pitchFamily="34" charset="0"/>
-                <a:cs typeface="Times New Roman" panose="02020603050405020304" pitchFamily="18" charset="0"/>
-              </a:rPr>
-              <a:t> visual </a:t>
-            </a:r>
-            <a:r>
-              <a:rPr lang="en-US" b="1" dirty="0" smtClean="0">
-                <a:latin typeface="Segoe UI" panose="020B0502040204020203" pitchFamily="34" charset="0"/>
-                <a:ea typeface="Calibri" panose="020F0502020204030204" pitchFamily="34" charset="0"/>
-                <a:cs typeface="Times New Roman" panose="02020603050405020304" pitchFamily="18" charset="0"/>
-              </a:rPr>
-              <a:t>drag </a:t>
-            </a:r>
-            <a:r>
-              <a:rPr lang="en-US" dirty="0" smtClean="0">
-                <a:latin typeface="Segoe UI" panose="020B0502040204020203" pitchFamily="34" charset="0"/>
-                <a:ea typeface="Calibri" panose="020F0502020204030204" pitchFamily="34" charset="0"/>
-                <a:cs typeface="Times New Roman" panose="02020603050405020304" pitchFamily="18" charset="0"/>
-              </a:rPr>
-              <a:t>the newly created hierarchy to the X-</a:t>
-            </a:r>
-            <a:r>
-              <a:rPr lang="en-US" b="1" dirty="0" smtClean="0">
-                <a:latin typeface="Segoe UI" panose="020B0502040204020203" pitchFamily="34" charset="0"/>
-                <a:ea typeface="Calibri" panose="020F0502020204030204" pitchFamily="34" charset="0"/>
-                <a:cs typeface="Times New Roman" panose="02020603050405020304" pitchFamily="18" charset="0"/>
-              </a:rPr>
-              <a:t>Axis </a:t>
-            </a:r>
-            <a:r>
-              <a:rPr lang="en-US" dirty="0" smtClean="0">
-                <a:latin typeface="Segoe UI" panose="020B0502040204020203" pitchFamily="34" charset="0"/>
-                <a:ea typeface="Calibri" panose="020F0502020204030204" pitchFamily="34" charset="0"/>
-                <a:cs typeface="Times New Roman" panose="02020603050405020304" pitchFamily="18" charset="0"/>
-              </a:rPr>
-              <a:t>as well as </a:t>
-            </a:r>
-            <a:r>
-              <a:rPr lang="en-US" b="1" dirty="0" smtClean="0">
-                <a:latin typeface="Segoe UI" panose="020B0502040204020203" pitchFamily="34" charset="0"/>
-                <a:ea typeface="Calibri" panose="020F0502020204030204" pitchFamily="34" charset="0"/>
-                <a:cs typeface="Times New Roman" panose="02020603050405020304" pitchFamily="18" charset="0"/>
-              </a:rPr>
-              <a:t>Sales Quantity </a:t>
-            </a:r>
-            <a:r>
-              <a:rPr lang="en-US" dirty="0" smtClean="0">
-                <a:latin typeface="Segoe UI" panose="020B0502040204020203" pitchFamily="34" charset="0"/>
-                <a:ea typeface="Calibri" panose="020F0502020204030204" pitchFamily="34" charset="0"/>
-                <a:cs typeface="Times New Roman" panose="02020603050405020304" pitchFamily="18" charset="0"/>
-              </a:rPr>
-              <a:t>from the </a:t>
-            </a:r>
-            <a:r>
-              <a:rPr lang="en-US" b="1" dirty="0" err="1" smtClean="0">
-                <a:latin typeface="Segoe UI" panose="020B0502040204020203" pitchFamily="34" charset="0"/>
-                <a:ea typeface="Calibri" panose="020F0502020204030204" pitchFamily="34" charset="0"/>
-                <a:cs typeface="Times New Roman" panose="02020603050405020304" pitchFamily="18" charset="0"/>
-              </a:rPr>
-              <a:t>FactSales</a:t>
-            </a:r>
-            <a:r>
-              <a:rPr lang="en-US" b="1" dirty="0" smtClean="0">
-                <a:latin typeface="Segoe UI" panose="020B0502040204020203" pitchFamily="34" charset="0"/>
-                <a:ea typeface="Calibri" panose="020F0502020204030204" pitchFamily="34" charset="0"/>
-                <a:cs typeface="Times New Roman" panose="02020603050405020304" pitchFamily="18" charset="0"/>
-              </a:rPr>
-              <a:t> table to the Y-Axis</a:t>
-            </a:r>
-            <a:endParaRPr lang="en-US" sz="1400" dirty="0">
-              <a:effectLst/>
-              <a:latin typeface="Calibri" panose="020F0502020204030204" pitchFamily="34" charset="0"/>
-              <a:ea typeface="Calibri" panose="020F0502020204030204" pitchFamily="34" charset="0"/>
-              <a:cs typeface="Times New Roman" panose="02020603050405020304" pitchFamily="18" charset="0"/>
-            </a:endParaRPr>
-          </a:p>
-        </p:txBody>
-      </p:sp>
       <p:pic>
         <p:nvPicPr>
           <p:cNvPr id="12" name="Picture 11" descr="https://www4.lunapic.com/editor/working/160568753164722613?3911637984"/>
@@ -4781,14 +4270,14 @@
       </p:pic>
       <p:sp>
         <p:nvSpPr>
-          <p:cNvPr id="14" name="Rectangle 13"/>
+          <p:cNvPr id="6" name="Rectangle 5"/>
           <p:cNvSpPr/>
           <p:nvPr/>
         </p:nvSpPr>
         <p:spPr>
           <a:xfrm>
-            <a:off x="438595" y="4073654"/>
-            <a:ext cx="8738364" cy="373692"/>
+            <a:off x="438595" y="885504"/>
+            <a:ext cx="10001310" cy="369332"/>
           </a:xfrm>
           <a:prstGeom prst="rect">
             <a:avLst/>
@@ -4800,28 +4289,149 @@
           </a:bodyPr>
           <a:lstStyle/>
           <a:p>
-            <a:pPr lvl="0">
-              <a:lnSpc>
-                <a:spcPct val="107000"/>
-              </a:lnSpc>
-              <a:spcAft>
-                <a:spcPts val="800"/>
-              </a:spcAft>
-            </a:pPr>
-            <a:r>
-              <a:rPr lang="en-US" dirty="0" smtClean="0">
-                <a:latin typeface="Segoe UI" panose="020B0502040204020203" pitchFamily="34" charset="0"/>
-                <a:ea typeface="Calibri" panose="020F0502020204030204" pitchFamily="34" charset="0"/>
-                <a:cs typeface="Times New Roman" panose="02020603050405020304" pitchFamily="18" charset="0"/>
-              </a:rPr>
-              <a:t>Try exploring the navigation capabilities offered represented by these icons</a:t>
-            </a:r>
-            <a:endParaRPr lang="en-US" sz="1400" dirty="0">
-              <a:effectLst/>
-              <a:latin typeface="Calibri" panose="020F0502020204030204" pitchFamily="34" charset="0"/>
-              <a:ea typeface="Calibri" panose="020F0502020204030204" pitchFamily="34" charset="0"/>
-              <a:cs typeface="Times New Roman" panose="02020603050405020304" pitchFamily="18" charset="0"/>
-            </a:endParaRPr>
+            <a:r xmlns:a="http://schemas.openxmlformats.org/drawingml/2006/main">
+              <a:rPr lang="en" dirty="0"/>
+              <a:t>Add </a:t>
+            </a:r>
+            <a:r xmlns:a="http://schemas.openxmlformats.org/drawingml/2006/main">
+              <a:rPr lang="en" b="1" dirty="0" err="1"/>
+              <a:t>MonthName </a:t>
+            </a:r>
+            <a:r xmlns:a="http://schemas.openxmlformats.org/drawingml/2006/main">
+              <a:rPr lang="en" dirty="0"/>
+              <a:t>just below </a:t>
+            </a:r>
+            <a:r xmlns:a="http://schemas.openxmlformats.org/drawingml/2006/main">
+              <a:rPr lang="en" b="1" dirty="0" err="1"/>
+              <a:t>Year </a:t>
+            </a:r>
+            <a:r xmlns:a="http://schemas.openxmlformats.org/drawingml/2006/main">
+              <a:rPr lang="en" dirty="0"/>
+              <a:t>, by right-clicking on it and adding it to the </a:t>
+            </a:r>
+            <a:r xmlns:a="http://schemas.openxmlformats.org/drawingml/2006/main">
+              <a:rPr lang="en" b="1" dirty="0" err="1"/>
+              <a:t>Year </a:t>
+            </a:r>
+            <a:r xmlns:a="http://schemas.openxmlformats.org/drawingml/2006/main">
+              <a:rPr lang="en" b="1" dirty="0"/>
+              <a:t>hierarchy </a:t>
+            </a:r>
+            <a:r xmlns:a="http://schemas.openxmlformats.org/drawingml/2006/main">
+              <a:rPr lang="en" dirty="0"/>
+              <a:t>.</a:t>
+            </a:r>
+            <a:endParaRPr xmlns:a="http://schemas.openxmlformats.org/drawingml/2006/main" lang="en-US" dirty="0"/>
+          </a:p>
+        </p:txBody>
+      </p:sp>
+      <p:sp>
+        <p:nvSpPr>
+          <p:cNvPr id="7" name="Rectangle 6"/>
+          <p:cNvSpPr/>
+          <p:nvPr/>
+        </p:nvSpPr>
+        <p:spPr>
+          <a:xfrm>
+            <a:off x="438595" y="3490649"/>
+            <a:ext cx="9341246" cy="707886"/>
+          </a:xfrm>
+          <a:prstGeom prst="rect">
+            <a:avLst/>
+          </a:prstGeom>
+        </p:spPr>
+        <p:txBody>
+          <a:bodyPr wrap="square">
+            <a:spAutoFit/>
+          </a:bodyPr>
+          <a:lstStyle/>
+          <a:p>
+            <a:r xmlns:a="http://schemas.openxmlformats.org/drawingml/2006/main">
+              <a:rPr lang="en" sz="2000" dirty="0"/>
+              <a:t>Add a grouped columns visual, drag the newly created hierarchy to the </a:t>
+            </a:r>
+            <a:r xmlns:a="http://schemas.openxmlformats.org/drawingml/2006/main">
+              <a:rPr lang="en" sz="2000" b="1" dirty="0"/>
+              <a:t>axis</a:t>
+            </a:r>
+            <a:r xmlns:a="http://schemas.openxmlformats.org/drawingml/2006/main">
+              <a:rPr lang="en" sz="2000" dirty="0"/>
+              <a:t> </a:t>
+            </a:r>
+            <a:r xmlns:a="http://schemas.openxmlformats.org/drawingml/2006/main">
+              <a:rPr lang="en" sz="2000" b="1" dirty="0"/>
+              <a:t>X </a:t>
+            </a:r>
+            <a:r xmlns:a="http://schemas.openxmlformats.org/drawingml/2006/main">
+              <a:rPr lang="en" sz="2000" dirty="0"/>
+              <a:t>as well as </a:t>
+            </a:r>
+            <a:r xmlns:a="http://schemas.openxmlformats.org/drawingml/2006/main">
+              <a:rPr lang="en" sz="2000" b="1" dirty="0"/>
+              <a:t>Sales </a:t>
+            </a:r>
+            <a:r xmlns:a="http://schemas.openxmlformats.org/drawingml/2006/main">
+              <a:rPr lang="en" sz="2000" b="1" dirty="0" err="1"/>
+              <a:t>Quantity from the </a:t>
+            </a:r>
+            <a:r xmlns:a="http://schemas.openxmlformats.org/drawingml/2006/main">
+              <a:rPr lang="en" sz="2000" b="1" dirty="0"/>
+              <a:t>FactSales </a:t>
+            </a:r>
+            <a:r xmlns:a="http://schemas.openxmlformats.org/drawingml/2006/main">
+              <a:rPr lang="en" sz="2000" dirty="0"/>
+              <a:t>table </a:t>
+            </a:r>
+            <a:r xmlns:a="http://schemas.openxmlformats.org/drawingml/2006/main">
+              <a:rPr lang="en" sz="2000" dirty="0"/>
+              <a:t>to the </a:t>
+            </a:r>
+            <a:r xmlns:a="http://schemas.openxmlformats.org/drawingml/2006/main">
+              <a:rPr lang="en" sz="2000" b="1" dirty="0"/>
+              <a:t>axis</a:t>
+            </a:r>
+            <a:r xmlns:a="http://schemas.openxmlformats.org/drawingml/2006/main">
+              <a:rPr lang="en" sz="2000" dirty="0"/>
+              <a:t> </a:t>
+            </a:r>
+            <a:r xmlns:a="http://schemas.openxmlformats.org/drawingml/2006/main">
+              <a:rPr lang="en" sz="2000" b="1" dirty="0"/>
+              <a:t>Y </a:t>
+            </a:r>
+            <a:r xmlns:a="http://schemas.openxmlformats.org/drawingml/2006/main">
+              <a:rPr lang="en" sz="2000" dirty="0"/>
+              <a:t>.</a:t>
+            </a:r>
+            <a:endParaRPr xmlns:a="http://schemas.openxmlformats.org/drawingml/2006/main" lang="en-US" sz="2000" dirty="0"/>
+          </a:p>
+        </p:txBody>
+      </p:sp>
+      <p:sp>
+        <p:nvSpPr>
+          <p:cNvPr id="8" name="Rectangle 7"/>
+          <p:cNvSpPr/>
+          <p:nvPr/>
+        </p:nvSpPr>
+        <p:spPr>
+          <a:xfrm>
+            <a:off x="438595" y="4305320"/>
+            <a:ext cx="8015063" cy="707886"/>
+          </a:xfrm>
+          <a:prstGeom prst="rect">
+            <a:avLst/>
+          </a:prstGeom>
+        </p:spPr>
+        <p:txBody>
+          <a:bodyPr wrap="square">
+            <a:spAutoFit/>
+          </a:bodyPr>
+          <a:lstStyle/>
+          <a:p>
+            <a:r xmlns:a="http://schemas.openxmlformats.org/drawingml/2006/main">
+              <a:rPr lang="en" sz="2000" dirty="0"/>
+              <a:t>Try exploring the navigation capabilities offered, represented by these icons.</a:t>
+            </a:r>
+            <a:endParaRPr xmlns:a="http://schemas.openxmlformats.org/drawingml/2006/main" lang="en-US" sz="2000" dirty="0"/>
           </a:p>
         </p:txBody>
       </p:sp>
@@ -4877,78 +4487,16 @@
           </a:bodyPr>
           <a:lstStyle/>
           <a:p>
-            <a:r>
-              <a:rPr lang="en-US" sz="2400" dirty="0" smtClean="0">
+            <a:r xmlns:a="http://schemas.openxmlformats.org/drawingml/2006/main">
+              <a:rPr lang="en" sz="2400" dirty="0" smtClean="0">
                 <a:latin typeface="Segoe UI" panose="020B0502040204020203" pitchFamily="34" charset="0"/>
                 <a:cs typeface="Segoe UI" panose="020B0502040204020203" pitchFamily="34" charset="0"/>
               </a:rPr>
               <a:t>Hierarchies</a:t>
             </a:r>
-            <a:endParaRPr lang="en-US" sz="2400" dirty="0">
+            <a:endParaRPr xmlns:a="http://schemas.openxmlformats.org/drawingml/2006/main" lang="en-US" sz="2400" dirty="0">
               <a:latin typeface="Segoe UI" panose="020B0502040204020203" pitchFamily="34" charset="0"/>
               <a:cs typeface="Segoe UI" panose="020B0502040204020203" pitchFamily="34" charset="0"/>
-            </a:endParaRPr>
-          </a:p>
-        </p:txBody>
-      </p:sp>
-      <p:sp>
-        <p:nvSpPr>
-          <p:cNvPr id="4" name="Rectangle 3"/>
-          <p:cNvSpPr/>
-          <p:nvPr/>
-        </p:nvSpPr>
-        <p:spPr>
-          <a:xfrm>
-            <a:off x="330009" y="886045"/>
-            <a:ext cx="11257523" cy="685059"/>
-          </a:xfrm>
-          <a:prstGeom prst="rect">
-            <a:avLst/>
-          </a:prstGeom>
-        </p:spPr>
-        <p:txBody>
-          <a:bodyPr wrap="square">
-            <a:spAutoFit/>
-          </a:bodyPr>
-          <a:lstStyle/>
-          <a:p>
-            <a:pPr lvl="0">
-              <a:lnSpc>
-                <a:spcPct val="107000"/>
-              </a:lnSpc>
-              <a:spcAft>
-                <a:spcPts val="800"/>
-              </a:spcAft>
-            </a:pPr>
-            <a:r>
-              <a:rPr lang="en-US" dirty="0" smtClean="0">
-                <a:latin typeface="Segoe UI" panose="020B0502040204020203" pitchFamily="34" charset="0"/>
-                <a:ea typeface="Calibri" panose="020F0502020204030204" pitchFamily="34" charset="0"/>
-                <a:cs typeface="Times New Roman" panose="02020603050405020304" pitchFamily="18" charset="0"/>
-              </a:rPr>
-              <a:t>Right click on the hierarchy and click </a:t>
-            </a:r>
-            <a:r>
-              <a:rPr lang="en-US" b="1" dirty="0" smtClean="0">
-                <a:latin typeface="Segoe UI" panose="020B0502040204020203" pitchFamily="34" charset="0"/>
-                <a:ea typeface="Calibri" panose="020F0502020204030204" pitchFamily="34" charset="0"/>
-                <a:cs typeface="Times New Roman" panose="02020603050405020304" pitchFamily="18" charset="0"/>
-              </a:rPr>
-              <a:t>Hide from report view </a:t>
-            </a:r>
-            <a:r>
-              <a:rPr lang="en-US" dirty="0" smtClean="0">
-                <a:latin typeface="Segoe UI" panose="020B0502040204020203" pitchFamily="34" charset="0"/>
-                <a:ea typeface="Calibri" panose="020F0502020204030204" pitchFamily="34" charset="0"/>
-                <a:cs typeface="Times New Roman" panose="02020603050405020304" pitchFamily="18" charset="0"/>
-              </a:rPr>
-              <a:t>notice that the hierarchy is no longer visible in the visual interface</a:t>
-            </a:r>
-            <a:endParaRPr lang="en-US" sz="1400" dirty="0">
-              <a:effectLst/>
-              <a:latin typeface="Calibri" panose="020F0502020204030204" pitchFamily="34" charset="0"/>
-              <a:ea typeface="Calibri" panose="020F0502020204030204" pitchFamily="34" charset="0"/>
-              <a:cs typeface="Times New Roman" panose="02020603050405020304" pitchFamily="18" charset="0"/>
             </a:endParaRPr>
           </a:p>
         </p:txBody>
@@ -5031,6 +4579,427 @@
           </a:effectLst>
         </p:spPr>
       </p:pic>
+      <p:sp>
+        <p:nvSpPr>
+          <p:cNvPr id="3" name="Rectangle 1"/>
+          <p:cNvSpPr>
+            <a:spLocks noChangeArrowheads="1"/>
+          </p:cNvSpPr>
+          <p:nvPr/>
+        </p:nvSpPr>
+        <p:spPr bwMode="auto">
+          <a:xfrm>
+            <a:off x="330009" y="777924"/>
+            <a:ext cx="8584401" cy="646331"/>
+          </a:xfrm>
+          <a:prstGeom prst="rect">
+            <a:avLst/>
+          </a:prstGeom>
+          <a:noFill/>
+          <a:ln>
+            <a:noFill/>
+          </a:ln>
+          <a:effectLst/>
+          <a:extLst>
+            <a:ext uri="{909E8E84-426E-40DD-AFC4-6F175D3DCCD1}">
+              <a14:hiddenFill xmlns:a14="http://schemas.microsoft.com/office/drawing/2010/main">
+                <a:solidFill>
+                  <a:schemeClr val="accent1"/>
+                </a:solidFill>
+              </a14:hiddenFill>
+            </a:ext>
+            <a:ext uri="{91240B29-F687-4F45-9708-019B960494DF}">
+              <a14:hiddenLine xmlns:a14="http://schemas.microsoft.com/office/drawing/2010/main" w="9525">
+                <a:solidFill>
+                  <a:schemeClr val="tx1"/>
+                </a:solidFill>
+                <a:miter lim="800000"/>
+                <a:headEnd/>
+                <a:tailEnd/>
+              </a14:hiddenLine>
+            </a:ext>
+            <a:ext uri="{AF507438-7753-43E0-B8FC-AC1667EBCBE1}">
+              <a14:hiddenEffects xmlns:a14="http://schemas.microsoft.com/office/drawing/2010/main">
+                <a:effectLst>
+                  <a:outerShdw dist="35921" dir="2700000" algn="ctr" rotWithShape="0">
+                    <a:schemeClr val="bg2"/>
+                  </a:outerShdw>
+                </a:effectLst>
+              </a14:hiddenEffects>
+            </a:ext>
+          </a:extLst>
+        </p:spPr>
+        <p:txBody>
+          <a:bodyPr vert="horz" wrap="none" lIns="91440" tIns="45720" rIns="91440" bIns="45720" numCol="1" anchor="ctr" anchorCtr="0" compatLnSpc="1">
+            <a:prstTxWarp prst="textNoShape">
+              <a:avLst/>
+            </a:prstTxWarp>
+            <a:spAutoFit/>
+          </a:bodyPr>
+          <a:lstStyle/>
+          <a:p>
+            <a:pPr xmlns:a="http://schemas.openxmlformats.org/drawingml/2006/main" marL="0" marR="0" lvl="0" indent="0" algn="l" defTabSz="914400" rtl="0" eaLnBrk="0" fontAlgn="base" latinLnBrk="0" hangingPunct="0">
+              <a:lnSpc>
+                <a:spcPct val="100000"/>
+              </a:lnSpc>
+              <a:spcBef>
+                <a:spcPct val="0"/>
+              </a:spcBef>
+              <a:spcAft>
+                <a:spcPct val="0"/>
+              </a:spcAft>
+              <a:buClrTx/>
+              <a:buSzTx/>
+              <a:buFontTx/>
+              <a:buNone/>
+              <a:tabLst/>
+            </a:pPr>
+            <a:r xmlns:a="http://schemas.openxmlformats.org/drawingml/2006/main">
+              <a:rPr kumimoji="0" lang="en" altLang="en-US" sz="1800" b="0" i="0" u="none" strike="noStrike" cap="none" normalizeH="0" baseline="0" dirty="0" smtClean="0">
+                <a:ln>
+                  <a:noFill/>
+                </a:ln>
+                <a:solidFill>
+                  <a:schemeClr val="tx1"/>
+                </a:solidFill>
+                <a:effectLst/>
+                <a:latin typeface="Arial" panose="020B0604020202020204" pitchFamily="34" charset="0"/>
+              </a:rPr>
+              <a:t>Right </a:t>
+            </a:r>
+            <a:r xmlns:a="http://schemas.openxmlformats.org/drawingml/2006/main">
+              <a:rPr kumimoji="0" lang="en" altLang="en-US" sz="1800" b="0" i="0" u="none" strike="noStrike" cap="none" normalizeH="0" baseline="0" dirty="0" err="1" smtClean="0">
+                <a:ln>
+                  <a:noFill/>
+                </a:ln>
+                <a:solidFill>
+                  <a:schemeClr val="tx1"/>
+                </a:solidFill>
+                <a:effectLst/>
+                <a:latin typeface="Arial" panose="020B0604020202020204" pitchFamily="34" charset="0"/>
+              </a:rPr>
+              <a:t>- </a:t>
+            </a:r>
+            <a:r xmlns:a="http://schemas.openxmlformats.org/drawingml/2006/main">
+              <a:rPr kumimoji="0" lang="en" altLang="en-US" sz="1800" b="0" i="0" u="none" strike="noStrike" cap="none" normalizeH="0" baseline="0" dirty="0" err="1" smtClean="0">
+                <a:ln>
+                  <a:noFill/>
+                </a:ln>
+                <a:solidFill>
+                  <a:schemeClr val="tx1"/>
+                </a:solidFill>
+                <a:effectLst/>
+                <a:latin typeface="Arial" panose="020B0604020202020204" pitchFamily="34" charset="0"/>
+              </a:rPr>
+              <a:t>click </a:t>
+            </a:r>
+            <a:r xmlns:a="http://schemas.openxmlformats.org/drawingml/2006/main">
+              <a:rPr kumimoji="0" lang="en" altLang="en-US" sz="1800" b="0" i="0" u="none" strike="noStrike" cap="none" normalizeH="0" baseline="0" dirty="0" smtClean="0">
+                <a:ln>
+                  <a:noFill/>
+                </a:ln>
+                <a:solidFill>
+                  <a:schemeClr val="tx1"/>
+                </a:solidFill>
+                <a:effectLst/>
+                <a:latin typeface="Arial" panose="020B0604020202020204" pitchFamily="34" charset="0"/>
+              </a:rPr>
+              <a:t>the </a:t>
+            </a:r>
+            <a:r xmlns:a="http://schemas.openxmlformats.org/drawingml/2006/main">
+              <a:rPr kumimoji="0" lang="en" altLang="en-US" sz="1800" b="0" i="0" u="none" strike="noStrike" cap="none" normalizeH="0" baseline="0" dirty="0" err="1" smtClean="0">
+                <a:ln>
+                  <a:noFill/>
+                </a:ln>
+                <a:solidFill>
+                  <a:schemeClr val="tx1"/>
+                </a:solidFill>
+                <a:effectLst/>
+                <a:latin typeface="Arial" panose="020B0604020202020204" pitchFamily="34" charset="0"/>
+              </a:rPr>
+              <a:t>hierarchy </a:t>
+            </a:r>
+            <a:r xmlns:a="http://schemas.openxmlformats.org/drawingml/2006/main">
+              <a:rPr kumimoji="0" lang="en" altLang="en-US" sz="1800" b="0" i="0" u="none" strike="noStrike" cap="none" normalizeH="0" baseline="0" dirty="0" smtClean="0">
+                <a:ln>
+                  <a:noFill/>
+                </a:ln>
+                <a:solidFill>
+                  <a:schemeClr val="tx1"/>
+                </a:solidFill>
+                <a:effectLst/>
+                <a:latin typeface="Arial" panose="020B0604020202020204" pitchFamily="34" charset="0"/>
+              </a:rPr>
+              <a:t>and </a:t>
+            </a:r>
+            <a:r xmlns:a="http://schemas.openxmlformats.org/drawingml/2006/main">
+              <a:rPr kumimoji="0" lang="en" altLang="en-US" sz="1800" b="0" i="0" u="none" strike="noStrike" cap="none" normalizeH="0" baseline="0" dirty="0" err="1" smtClean="0">
+                <a:ln>
+                  <a:noFill/>
+                </a:ln>
+                <a:solidFill>
+                  <a:schemeClr val="tx1"/>
+                </a:solidFill>
+                <a:effectLst/>
+                <a:latin typeface="Arial" panose="020B0604020202020204" pitchFamily="34" charset="0"/>
+              </a:rPr>
+              <a:t>click </a:t>
+            </a:r>
+            <a:r xmlns:a="http://schemas.openxmlformats.org/drawingml/2006/main">
+              <a:rPr kumimoji="0" lang="en" altLang="en-US" sz="1800" b="0" i="0" u="none" strike="noStrike" cap="none" normalizeH="0" baseline="0" dirty="0" smtClean="0">
+                <a:ln>
+                  <a:noFill/>
+                </a:ln>
+                <a:solidFill>
+                  <a:schemeClr val="tx1"/>
+                </a:solidFill>
+                <a:effectLst/>
+                <a:latin typeface="Arial" panose="020B0604020202020204" pitchFamily="34" charset="0"/>
+              </a:rPr>
+              <a:t>Hide </a:t>
+            </a:r>
+            <a:r xmlns:a="http://schemas.openxmlformats.org/drawingml/2006/main">
+              <a:rPr kumimoji="0" lang="en" altLang="en-US" sz="1800" b="1" i="0" u="none" strike="noStrike" cap="none" normalizeH="0" baseline="0" dirty="0" smtClean="0">
+                <a:ln>
+                  <a:noFill/>
+                </a:ln>
+                <a:solidFill>
+                  <a:schemeClr val="tx1"/>
+                </a:solidFill>
+                <a:effectLst/>
+                <a:latin typeface="Arial" panose="020B0604020202020204" pitchFamily="34" charset="0"/>
+              </a:rPr>
+              <a:t>from </a:t>
+            </a:r>
+            <a:r xmlns:a="http://schemas.openxmlformats.org/drawingml/2006/main">
+              <a:rPr kumimoji="0" lang="en" altLang="en-US" sz="1800" b="1" i="0" u="none" strike="noStrike" cap="none" normalizeH="0" baseline="0" dirty="0" smtClean="0">
+                <a:ln>
+                  <a:noFill/>
+                </a:ln>
+                <a:solidFill>
+                  <a:schemeClr val="tx1"/>
+                </a:solidFill>
+                <a:effectLst/>
+                <a:latin typeface="Arial" panose="020B0604020202020204" pitchFamily="34" charset="0"/>
+              </a:rPr>
+              <a:t>report </a:t>
+            </a:r>
+            <a:r xmlns:a="http://schemas.openxmlformats.org/drawingml/2006/main">
+              <a:rPr kumimoji="0" lang="en" altLang="en-US" sz="1800" b="1" i="0" u="none" strike="noStrike" cap="none" normalizeH="0" baseline="0" dirty="0" err="1" smtClean="0">
+                <a:ln>
+                  <a:noFill/>
+                </a:ln>
+                <a:solidFill>
+                  <a:schemeClr val="tx1"/>
+                </a:solidFill>
+                <a:effectLst/>
+                <a:latin typeface="Arial" panose="020B0604020202020204" pitchFamily="34" charset="0"/>
+              </a:rPr>
+              <a:t>view </a:t>
+            </a:r>
+            <a:r xmlns:a="http://schemas.openxmlformats.org/drawingml/2006/main">
+              <a:rPr kumimoji="0" lang="en" altLang="en-US" sz="1800" b="0" i="0" u="none" strike="noStrike" cap="none" normalizeH="0" baseline="0" dirty="0" smtClean="0">
+                <a:ln>
+                  <a:noFill/>
+                </a:ln>
+                <a:solidFill>
+                  <a:schemeClr val="tx1"/>
+                </a:solidFill>
+                <a:effectLst/>
+                <a:latin typeface="Arial" panose="020B0604020202020204" pitchFamily="34" charset="0"/>
+              </a:rPr>
+              <a:t>.</a:t>
+            </a:r>
+            <a:r xmlns:a="http://schemas.openxmlformats.org/drawingml/2006/main">
+              <a:rPr kumimoji="0" lang="en" altLang="en-US" sz="1800" b="1" i="0" u="none" strike="noStrike" cap="none" normalizeH="0" baseline="0" dirty="0" err="1" smtClean="0">
+                <a:ln>
+                  <a:noFill/>
+                </a:ln>
+                <a:solidFill>
+                  <a:schemeClr val="tx1"/>
+                </a:solidFill>
+                <a:effectLst/>
+                <a:latin typeface="Arial" panose="020B0604020202020204" pitchFamily="34" charset="0"/>
+              </a:rPr>
+              <a:t>​</a:t>
+            </a:r>
+          </a:p>
+          <a:p>
+            <a:pPr xmlns:a="http://schemas.openxmlformats.org/drawingml/2006/main" marL="0" marR="0" lvl="0" indent="0" algn="l" defTabSz="914400" rtl="0" eaLnBrk="0" fontAlgn="base" latinLnBrk="0" hangingPunct="0">
+              <a:lnSpc>
+                <a:spcPct val="100000"/>
+              </a:lnSpc>
+              <a:spcBef>
+                <a:spcPct val="0"/>
+              </a:spcBef>
+              <a:spcAft>
+                <a:spcPct val="0"/>
+              </a:spcAft>
+              <a:buClrTx/>
+              <a:buSzTx/>
+              <a:buFontTx/>
+              <a:buNone/>
+              <a:tabLst/>
+            </a:pPr>
+            <a:r xmlns:a="http://schemas.openxmlformats.org/drawingml/2006/main">
+              <a:rPr kumimoji="0" lang="en" altLang="en-US" sz="1800" b="0" i="0" u="none" strike="noStrike" cap="none" normalizeH="0" baseline="0" dirty="0" err="1" smtClean="0">
+                <a:ln>
+                  <a:noFill/>
+                </a:ln>
+                <a:solidFill>
+                  <a:schemeClr val="tx1"/>
+                </a:solidFill>
+                <a:effectLst/>
+                <a:latin typeface="Arial" panose="020B0604020202020204" pitchFamily="34" charset="0"/>
+              </a:rPr>
+              <a:t>Note </a:t>
+            </a:r>
+            <a:r xmlns:a="http://schemas.openxmlformats.org/drawingml/2006/main">
+              <a:rPr kumimoji="0" lang="en" altLang="en-US" sz="1800" b="0" i="0" u="none" strike="noStrike" cap="none" normalizeH="0" baseline="0" dirty="0" smtClean="0">
+                <a:ln>
+                  <a:noFill/>
+                </a:ln>
+                <a:solidFill>
+                  <a:schemeClr val="tx1"/>
+                </a:solidFill>
+                <a:effectLst/>
+                <a:latin typeface="Arial" panose="020B0604020202020204" pitchFamily="34" charset="0"/>
+              </a:rPr>
+              <a:t>that the </a:t>
+            </a:r>
+            <a:r xmlns:a="http://schemas.openxmlformats.org/drawingml/2006/main">
+              <a:rPr kumimoji="0" lang="en" altLang="en-US" sz="1800" b="0" i="0" u="none" strike="noStrike" cap="none" normalizeH="0" baseline="0" dirty="0" err="1" smtClean="0">
+                <a:ln>
+                  <a:noFill/>
+                </a:ln>
+                <a:solidFill>
+                  <a:schemeClr val="tx1"/>
+                </a:solidFill>
+                <a:effectLst/>
+                <a:latin typeface="Arial" panose="020B0604020202020204" pitchFamily="34" charset="0"/>
+              </a:rPr>
+              <a:t>hierarchy</a:t>
+            </a:r>
+            <a:r xmlns:a="http://schemas.openxmlformats.org/drawingml/2006/main">
+              <a:rPr kumimoji="0" lang="en" altLang="en-US" sz="1800" b="0" i="0" u="none" strike="noStrike" cap="none" normalizeH="0" baseline="0" dirty="0" smtClean="0">
+                <a:ln>
+                  <a:noFill/>
+                </a:ln>
+                <a:solidFill>
+                  <a:schemeClr val="tx1"/>
+                </a:solidFill>
+                <a:effectLst/>
+                <a:latin typeface="Arial" panose="020B0604020202020204" pitchFamily="34" charset="0"/>
+              </a:rPr>
+              <a:t> </a:t>
+            </a:r>
+            <a:r xmlns:a="http://schemas.openxmlformats.org/drawingml/2006/main">
+              <a:rPr kumimoji="0" lang="en" altLang="en-US" sz="1800" b="0" i="0" u="none" strike="noStrike" cap="none" normalizeH="0" baseline="0" dirty="0" err="1" smtClean="0">
+                <a:ln>
+                  <a:noFill/>
+                </a:ln>
+                <a:solidFill>
+                  <a:schemeClr val="tx1"/>
+                </a:solidFill>
+                <a:effectLst/>
+                <a:latin typeface="Arial" panose="020B0604020202020204" pitchFamily="34" charset="0"/>
+              </a:rPr>
+              <a:t>is no </a:t>
+            </a:r>
+            <a:r xmlns:a="http://schemas.openxmlformats.org/drawingml/2006/main">
+              <a:rPr kumimoji="0" lang="en" altLang="en-US" sz="1800" b="0" i="0" u="none" strike="noStrike" cap="none" normalizeH="0" baseline="0" dirty="0" smtClean="0">
+                <a:ln>
+                  <a:noFill/>
+                </a:ln>
+                <a:solidFill>
+                  <a:schemeClr val="tx1"/>
+                </a:solidFill>
+                <a:effectLst/>
+                <a:latin typeface="Arial" panose="020B0604020202020204" pitchFamily="34" charset="0"/>
+              </a:rPr>
+              <a:t>longer visible </a:t>
+            </a:r>
+            <a:r xmlns:a="http://schemas.openxmlformats.org/drawingml/2006/main">
+              <a:rPr kumimoji="0" lang="en" altLang="en-US" sz="1800" b="0" i="0" u="none" strike="noStrike" cap="none" normalizeH="0" baseline="0" dirty="0" err="1" smtClean="0">
+                <a:ln>
+                  <a:noFill/>
+                </a:ln>
+                <a:solidFill>
+                  <a:schemeClr val="tx1"/>
+                </a:solidFill>
+                <a:effectLst/>
+                <a:latin typeface="Arial" panose="020B0604020202020204" pitchFamily="34" charset="0"/>
+              </a:rPr>
+              <a:t>in</a:t>
+            </a:r>
+            <a:r xmlns:a="http://schemas.openxmlformats.org/drawingml/2006/main">
+              <a:rPr kumimoji="0" lang="en" altLang="en-US" sz="1800" b="0" i="0" u="none" strike="noStrike" cap="none" normalizeH="0" baseline="0" dirty="0" smtClean="0">
+                <a:ln>
+                  <a:noFill/>
+                </a:ln>
+                <a:solidFill>
+                  <a:schemeClr val="tx1"/>
+                </a:solidFill>
+                <a:effectLst/>
+                <a:latin typeface="Arial" panose="020B0604020202020204" pitchFamily="34" charset="0"/>
+              </a:rPr>
+              <a:t> </a:t>
+            </a:r>
+            <a:r xmlns:a="http://schemas.openxmlformats.org/drawingml/2006/main">
+              <a:rPr kumimoji="0" lang="en" altLang="en-US" sz="1800" b="0" i="0" u="none" strike="noStrike" cap="none" normalizeH="0" baseline="0" dirty="0" err="1" smtClean="0">
+                <a:ln>
+                  <a:noFill/>
+                </a:ln>
+                <a:solidFill>
+                  <a:schemeClr val="tx1"/>
+                </a:solidFill>
+                <a:effectLst/>
+                <a:latin typeface="Arial" panose="020B0604020202020204" pitchFamily="34" charset="0"/>
+              </a:rPr>
+              <a:t>the interface</a:t>
+            </a:r>
+            <a:r xmlns:a="http://schemas.openxmlformats.org/drawingml/2006/main">
+              <a:rPr kumimoji="0" lang="en" altLang="en-US" sz="1800" b="0" i="0" u="none" strike="noStrike" cap="none" normalizeH="0" baseline="0" dirty="0" smtClean="0">
+                <a:ln>
+                  <a:noFill/>
+                </a:ln>
+                <a:solidFill>
+                  <a:schemeClr val="tx1"/>
+                </a:solidFill>
+                <a:effectLst/>
+                <a:latin typeface="Arial" panose="020B0604020202020204" pitchFamily="34" charset="0"/>
+              </a:rPr>
+              <a:t> </a:t>
+            </a:r>
+            <a:r xmlns:a="http://schemas.openxmlformats.org/drawingml/2006/main">
+              <a:rPr kumimoji="0" lang="en" altLang="en-US" sz="1800" b="0" i="0" u="none" strike="noStrike" cap="none" normalizeH="0" baseline="0" dirty="0" err="1" smtClean="0">
+                <a:ln>
+                  <a:noFill/>
+                </a:ln>
+                <a:solidFill>
+                  <a:schemeClr val="tx1"/>
+                </a:solidFill>
+                <a:effectLst/>
+                <a:latin typeface="Arial" panose="020B0604020202020204" pitchFamily="34" charset="0"/>
+              </a:rPr>
+              <a:t>visual </a:t>
+            </a:r>
+            <a:r xmlns:a="http://schemas.openxmlformats.org/drawingml/2006/main">
+              <a:rPr kumimoji="0" lang="en" altLang="en-US" sz="1800" b="0" i="0" u="none" strike="noStrike" cap="none" normalizeH="0" baseline="0" dirty="0" smtClean="0">
+                <a:ln>
+                  <a:noFill/>
+                </a:ln>
+                <a:solidFill>
+                  <a:schemeClr val="tx1"/>
+                </a:solidFill>
+                <a:effectLst/>
+                <a:latin typeface="Arial" panose="020B0604020202020204" pitchFamily="34" charset="0"/>
+              </a:rPr>
+              <a:t>.</a:t>
+            </a:r>
+          </a:p>
+        </p:txBody>
+      </p:sp>
     </p:spTree>
     <p:extLst>
       <p:ext uri="{BB962C8B-B14F-4D97-AF65-F5344CB8AC3E}">
@@ -5116,8 +5085,8 @@
         </p:nvSpPr>
         <p:spPr>
           <a:xfrm>
-            <a:off x="2916199" y="2162433"/>
-            <a:ext cx="6230360" cy="1569660"/>
+            <a:off x="4206049" y="2281704"/>
+            <a:ext cx="3456395" cy="1569660"/>
           </a:xfrm>
           <a:prstGeom prst="rect">
             <a:avLst/>
@@ -5130,8 +5099,8 @@
           </a:bodyPr>
           <a:lstStyle/>
           <a:p>
-            <a:r>
-              <a:rPr lang="en-US" sz="9600" b="1" dirty="0" smtClean="0">
+            <a:r xmlns:a="http://schemas.openxmlformats.org/drawingml/2006/main">
+              <a:rPr lang="en" sz="9600" b="1" dirty="0" smtClean="0">
                 <a:solidFill>
                   <a:srgbClr val="7030A0"/>
                 </a:solidFill>
@@ -5139,9 +5108,9 @@
                 <a:ea typeface="Verdana" panose="020B0604030504040204" pitchFamily="34" charset="0"/>
                 <a:cs typeface="Segoe UI" panose="020B0502040204020203" pitchFamily="34" charset="0"/>
               </a:rPr>
-              <a:t>Thank you</a:t>
-            </a:r>
-            <a:endParaRPr lang="en-US" sz="9600" b="1" dirty="0">
+              <a:t>THANKS</a:t>
+            </a:r>
+            <a:endParaRPr xmlns:a="http://schemas.openxmlformats.org/drawingml/2006/main" lang="en-US" sz="9600" b="1" dirty="0">
               <a:solidFill>
                 <a:srgbClr val="7030A0"/>
               </a:solidFill>
@@ -5154,14 +5123,14 @@
       </p:sp>
       <p:sp>
         <p:nvSpPr>
-          <p:cNvPr id="6" name="TextBox 5"/>
+          <p:cNvPr id="7" name="TextBox 6"/>
           <p:cNvSpPr txBox="1"/>
           <p:nvPr/>
         </p:nvSpPr>
         <p:spPr>
           <a:xfrm>
-            <a:off x="2990336" y="2217861"/>
-            <a:ext cx="6230360" cy="1569660"/>
+            <a:off x="4128335" y="2197935"/>
+            <a:ext cx="3456395" cy="1569660"/>
           </a:xfrm>
           <a:prstGeom prst="rect">
             <a:avLst/>
@@ -5174,8 +5143,8 @@
           </a:bodyPr>
           <a:lstStyle/>
           <a:p>
-            <a:r>
-              <a:rPr lang="en-US" sz="9600" b="1" dirty="0" smtClean="0">
+            <a:r xmlns:a="http://schemas.openxmlformats.org/drawingml/2006/main">
+              <a:rPr lang="en" sz="9600" b="1" dirty="0" smtClean="0">
                 <a:solidFill>
                   <a:schemeClr val="bg1"/>
                 </a:solidFill>
@@ -5183,9 +5152,9 @@
                 <a:ea typeface="Verdana" panose="020B0604030504040204" pitchFamily="34" charset="0"/>
                 <a:cs typeface="Segoe UI" panose="020B0502040204020203" pitchFamily="34" charset="0"/>
               </a:rPr>
-              <a:t>Thank you</a:t>
-            </a:r>
-            <a:endParaRPr lang="en-US" sz="9600" b="1" dirty="0">
+              <a:t>THANKS</a:t>
+            </a:r>
+            <a:endParaRPr xmlns:a="http://schemas.openxmlformats.org/drawingml/2006/main" lang="en-US" sz="9600" b="1" dirty="0">
               <a:solidFill>
                 <a:schemeClr val="bg1"/>
               </a:solidFill>

--- a/English/4. Analysing data/5.Hierarchies.pptx
+++ b/English/4. Analysing data/5.Hierarchies.pptx
@@ -202,7 +202,7 @@
           <a:p>
             <a:fld id="{056BA3B8-9F76-4D81-B71D-76CB85363062}" type="datetimeFigureOut">
               <a:rPr lang="en-US" smtClean="0"/>
-              <a:t>3/5/2025</a:t>
+              <a:t>4/3/2025</a:t>
             </a:fld>
             <a:endParaRPr lang="en-US"/>
           </a:p>
@@ -601,7 +601,7 @@
           <a:p>
             <a:fld id="{6F01DA4D-20EA-48D2-973C-0311EC3005D6}" type="datetimeFigureOut">
               <a:rPr lang="en-US" smtClean="0"/>
-              <a:t>3/5/2025</a:t>
+              <a:t>4/3/2025</a:t>
             </a:fld>
             <a:endParaRPr lang="en-US"/>
           </a:p>
@@ -771,7 +771,7 @@
           <a:p>
             <a:fld id="{6F01DA4D-20EA-48D2-973C-0311EC3005D6}" type="datetimeFigureOut">
               <a:rPr lang="en-US" smtClean="0"/>
-              <a:t>3/5/2025</a:t>
+              <a:t>4/3/2025</a:t>
             </a:fld>
             <a:endParaRPr lang="en-US"/>
           </a:p>
@@ -951,7 +951,7 @@
           <a:p>
             <a:fld id="{6F01DA4D-20EA-48D2-973C-0311EC3005D6}" type="datetimeFigureOut">
               <a:rPr lang="en-US" smtClean="0"/>
-              <a:t>3/5/2025</a:t>
+              <a:t>4/3/2025</a:t>
             </a:fld>
             <a:endParaRPr lang="en-US"/>
           </a:p>
@@ -1121,7 +1121,7 @@
           <a:p>
             <a:fld id="{6F01DA4D-20EA-48D2-973C-0311EC3005D6}" type="datetimeFigureOut">
               <a:rPr lang="en-US" smtClean="0"/>
-              <a:t>3/5/2025</a:t>
+              <a:t>4/3/2025</a:t>
             </a:fld>
             <a:endParaRPr lang="en-US"/>
           </a:p>
@@ -1367,7 +1367,7 @@
           <a:p>
             <a:fld id="{6F01DA4D-20EA-48D2-973C-0311EC3005D6}" type="datetimeFigureOut">
               <a:rPr lang="en-US" smtClean="0"/>
-              <a:t>3/5/2025</a:t>
+              <a:t>4/3/2025</a:t>
             </a:fld>
             <a:endParaRPr lang="en-US"/>
           </a:p>
@@ -1599,7 +1599,7 @@
           <a:p>
             <a:fld id="{6F01DA4D-20EA-48D2-973C-0311EC3005D6}" type="datetimeFigureOut">
               <a:rPr lang="en-US" smtClean="0"/>
-              <a:t>3/5/2025</a:t>
+              <a:t>4/3/2025</a:t>
             </a:fld>
             <a:endParaRPr lang="en-US"/>
           </a:p>
@@ -1966,7 +1966,7 @@
           <a:p>
             <a:fld id="{6F01DA4D-20EA-48D2-973C-0311EC3005D6}" type="datetimeFigureOut">
               <a:rPr lang="en-US" smtClean="0"/>
-              <a:t>3/5/2025</a:t>
+              <a:t>4/3/2025</a:t>
             </a:fld>
             <a:endParaRPr lang="en-US"/>
           </a:p>
@@ -2084,7 +2084,7 @@
           <a:p>
             <a:fld id="{6F01DA4D-20EA-48D2-973C-0311EC3005D6}" type="datetimeFigureOut">
               <a:rPr lang="en-US" smtClean="0"/>
-              <a:t>3/5/2025</a:t>
+              <a:t>4/3/2025</a:t>
             </a:fld>
             <a:endParaRPr lang="en-US"/>
           </a:p>
@@ -2179,7 +2179,7 @@
           <a:p>
             <a:fld id="{6F01DA4D-20EA-48D2-973C-0311EC3005D6}" type="datetimeFigureOut">
               <a:rPr lang="en-US" smtClean="0"/>
-              <a:t>3/5/2025</a:t>
+              <a:t>4/3/2025</a:t>
             </a:fld>
             <a:endParaRPr lang="en-US"/>
           </a:p>
@@ -2456,7 +2456,7 @@
           <a:p>
             <a:fld id="{6F01DA4D-20EA-48D2-973C-0311EC3005D6}" type="datetimeFigureOut">
               <a:rPr lang="en-US" smtClean="0"/>
-              <a:t>3/5/2025</a:t>
+              <a:t>4/3/2025</a:t>
             </a:fld>
             <a:endParaRPr lang="en-US"/>
           </a:p>
@@ -2709,7 +2709,7 @@
           <a:p>
             <a:fld id="{6F01DA4D-20EA-48D2-973C-0311EC3005D6}" type="datetimeFigureOut">
               <a:rPr lang="en-US" smtClean="0"/>
-              <a:t>3/5/2025</a:t>
+              <a:t>4/3/2025</a:t>
             </a:fld>
             <a:endParaRPr lang="en-US"/>
           </a:p>
@@ -2922,7 +2922,7 @@
           <a:p>
             <a:fld id="{6F01DA4D-20EA-48D2-973C-0311EC3005D6}" type="datetimeFigureOut">
               <a:rPr lang="en-US" smtClean="0"/>
-              <a:t>3/5/2025</a:t>
+              <a:t>4/3/2025</a:t>
             </a:fld>
             <a:endParaRPr lang="en-US"/>
           </a:p>
@@ -3357,7 +3357,7 @@
           </a:bodyPr>
           <a:lstStyle/>
           <a:p>
-            <a:r xmlns:a="http://schemas.openxmlformats.org/drawingml/2006/main">
+            <a:r>
               <a:rPr lang="en" sz="8000" b="1" dirty="0" smtClean="0">
                 <a:solidFill>
                   <a:srgbClr val="7030A0"/>
@@ -3368,7 +3368,7 @@
               </a:rPr>
               <a:t>Hierarchies</a:t>
             </a:r>
-            <a:endParaRPr xmlns:a="http://schemas.openxmlformats.org/drawingml/2006/main" lang="en-US" sz="8000" b="1" dirty="0">
+            <a:endParaRPr lang="en-US" sz="8000" b="1" dirty="0">
               <a:solidFill>
                 <a:srgbClr val="7030A0"/>
               </a:solidFill>
@@ -3401,7 +3401,7 @@
           </a:bodyPr>
           <a:lstStyle/>
           <a:p>
-            <a:r xmlns:a="http://schemas.openxmlformats.org/drawingml/2006/main">
+            <a:r>
               <a:rPr lang="en" sz="8000" b="1" dirty="0" err="1" smtClean="0">
                 <a:solidFill>
                   <a:schemeClr val="bg1"/>
@@ -3412,7 +3412,7 @@
               </a:rPr>
               <a:t>Hierarchies</a:t>
             </a:r>
-            <a:endParaRPr xmlns:a="http://schemas.openxmlformats.org/drawingml/2006/main" lang="en-US" sz="8000" b="1" dirty="0">
+            <a:endParaRPr lang="en-US" sz="8000" b="1" dirty="0">
               <a:solidFill>
                 <a:schemeClr val="bg1"/>
               </a:solidFill>
@@ -3475,14 +3475,14 @@
           </a:bodyPr>
           <a:lstStyle/>
           <a:p>
-            <a:r xmlns:a="http://schemas.openxmlformats.org/drawingml/2006/main">
+            <a:r>
               <a:rPr lang="en" sz="2400" dirty="0" smtClean="0">
                 <a:latin typeface="Segoe UI" panose="020B0502040204020203" pitchFamily="34" charset="0"/>
                 <a:cs typeface="Segoe UI" panose="020B0502040204020203" pitchFamily="34" charset="0"/>
               </a:rPr>
               <a:t>Hierarchies</a:t>
             </a:r>
-            <a:endParaRPr xmlns:a="http://schemas.openxmlformats.org/drawingml/2006/main" lang="en-US" sz="2400" dirty="0">
+            <a:endParaRPr lang="en-US" sz="2400" dirty="0">
               <a:latin typeface="Segoe UI" panose="020B0502040204020203" pitchFamily="34" charset="0"/>
               <a:cs typeface="Segoe UI" panose="020B0502040204020203" pitchFamily="34" charset="0"/>
             </a:endParaRPr>
@@ -3510,7 +3510,7 @@
           </a:bodyPr>
           <a:lstStyle/>
           <a:p>
-            <a:pPr xmlns:a="http://schemas.openxmlformats.org/drawingml/2006/main" lvl="0">
+            <a:pPr lvl="0">
               <a:lnSpc>
                 <a:spcPct val="107000"/>
               </a:lnSpc>
@@ -3518,35 +3518,31 @@
                 <a:spcPts val="800"/>
               </a:spcAft>
             </a:pPr>
-            <a:r xmlns:a="http://schemas.openxmlformats.org/drawingml/2006/main">
+            <a:r>
               <a:rPr lang="en" b="1" dirty="0" err="1"/>
               <a:t>SalesExcel.xslx </a:t>
             </a:r>
-            <a:r xmlns:a="http://schemas.openxmlformats.org/drawingml/2006/main">
+            <a:r>
               <a:rPr lang="en" dirty="0"/>
-              <a:t>file </a:t>
-            </a:r>
-            <a:r xmlns:a="http://schemas.openxmlformats.org/drawingml/2006/main">
-              <a:rPr lang="en" dirty="0"/>
-              <a:t>and load both the </a:t>
-            </a:r>
-            <a:r xmlns:a="http://schemas.openxmlformats.org/drawingml/2006/main">
+              <a:t>file and load both the </a:t>
+            </a:r>
+            <a:r>
               <a:rPr lang="en" b="1" dirty="0" err="1"/>
               <a:t>DimDate </a:t>
             </a:r>
-            <a:r xmlns:a="http://schemas.openxmlformats.org/drawingml/2006/main">
+            <a:r>
               <a:rPr lang="en" dirty="0"/>
               <a:t>and </a:t>
             </a:r>
-            <a:r xmlns:a="http://schemas.openxmlformats.org/drawingml/2006/main">
+            <a:r>
               <a:rPr lang="en" b="1" dirty="0"/>
               <a:t>FactSales tables </a:t>
             </a:r>
-            <a:r xmlns:a="http://schemas.openxmlformats.org/drawingml/2006/main">
+            <a:r>
               <a:rPr lang="en" dirty="0"/>
               <a:t>into the query editor.</a:t>
             </a:r>
-            <a:endParaRPr xmlns:a="http://schemas.openxmlformats.org/drawingml/2006/main" lang="en-US" sz="1400" dirty="0">
+            <a:endParaRPr lang="en-US" sz="1400" dirty="0">
               <a:effectLst/>
               <a:latin typeface="Calibri" panose="020F0502020204030204" pitchFamily="34" charset="0"/>
               <a:ea typeface="Calibri" panose="020F0502020204030204" pitchFamily="34" charset="0"/>
@@ -3615,31 +3611,27 @@
           </a:bodyPr>
           <a:lstStyle/>
           <a:p>
-            <a:r xmlns:a="http://schemas.openxmlformats.org/drawingml/2006/main">
+            <a:r>
               <a:rPr lang="en" b="1" dirty="0"/>
               <a:t>Note: </a:t>
             </a:r>
-            <a:r xmlns:a="http://schemas.openxmlformats.org/drawingml/2006/main">
+            <a:r>
               <a:rPr lang="en" dirty="0" smtClean="0"/>
               <a:t>This workshop uses the </a:t>
             </a:r>
-            <a:r xmlns:a="http://schemas.openxmlformats.org/drawingml/2006/main">
+            <a:r>
               <a:rPr lang="en" b="1" dirty="0" err="1"/>
               <a:t>Sales.xslx </a:t>
             </a:r>
-            <a:r xmlns:a="http://schemas.openxmlformats.org/drawingml/2006/main">
+            <a:r>
               <a:rPr lang="en" dirty="0"/>
-              <a:t>file </a:t>
-            </a:r>
-            <a:r xmlns:a="http://schemas.openxmlformats.org/drawingml/2006/main">
-              <a:rPr lang="en" dirty="0"/>
-              <a:t>located in the </a:t>
-            </a:r>
-            <a:r xmlns:a="http://schemas.openxmlformats.org/drawingml/2006/main">
+              <a:t>file located in the </a:t>
+            </a:r>
+            <a:r>
               <a:rPr lang="en" b="1" dirty="0" smtClean="0"/>
               <a:t>sources\Excel Sources folder</a:t>
             </a:r>
-            <a:endParaRPr xmlns:a="http://schemas.openxmlformats.org/drawingml/2006/main" lang="en-US" dirty="0"/>
+            <a:endParaRPr lang="en-US" dirty="0"/>
           </a:p>
         </p:txBody>
       </p:sp>
@@ -3664,27 +3656,27 @@
           </a:bodyPr>
           <a:lstStyle/>
           <a:p>
-            <a:r xmlns:a="http://schemas.openxmlformats.org/drawingml/2006/main">
+            <a:r>
               <a:rPr lang="en" dirty="0"/>
               <a:t>Check that the relationship is established between </a:t>
             </a:r>
-            <a:r xmlns:a="http://schemas.openxmlformats.org/drawingml/2006/main">
+            <a:r>
               <a:rPr lang="en" b="1" dirty="0" err="1"/>
               <a:t>DimDate </a:t>
             </a:r>
-            <a:r xmlns:a="http://schemas.openxmlformats.org/drawingml/2006/main">
+            <a:r>
               <a:rPr lang="en" dirty="0"/>
               <a:t>and </a:t>
             </a:r>
-            <a:r xmlns:a="http://schemas.openxmlformats.org/drawingml/2006/main">
+            <a:r>
               <a:rPr lang="en" b="1" dirty="0"/>
               <a:t>FactSales </a:t>
             </a:r>
-            <a:r xmlns:a="http://schemas.openxmlformats.org/drawingml/2006/main">
+            <a:r>
               <a:rPr lang="en" dirty="0"/>
               <a:t>.</a:t>
             </a:r>
-            <a:endParaRPr xmlns:a="http://schemas.openxmlformats.org/drawingml/2006/main" lang="en-US" dirty="0"/>
+            <a:endParaRPr lang="en-US" dirty="0"/>
           </a:p>
         </p:txBody>
       </p:sp>
@@ -3740,14 +3732,14 @@
           </a:bodyPr>
           <a:lstStyle/>
           <a:p>
-            <a:r xmlns:a="http://schemas.openxmlformats.org/drawingml/2006/main">
+            <a:r>
               <a:rPr lang="en" sz="2400" dirty="0" smtClean="0">
                 <a:latin typeface="Segoe UI" panose="020B0502040204020203" pitchFamily="34" charset="0"/>
                 <a:cs typeface="Segoe UI" panose="020B0502040204020203" pitchFamily="34" charset="0"/>
               </a:rPr>
               <a:t>Hierarchies</a:t>
             </a:r>
-            <a:endParaRPr xmlns:a="http://schemas.openxmlformats.org/drawingml/2006/main" lang="en-US" sz="2400" dirty="0">
+            <a:endParaRPr lang="en-US" sz="2400" dirty="0">
               <a:latin typeface="Segoe UI" panose="020B0502040204020203" pitchFamily="34" charset="0"/>
               <a:cs typeface="Segoe UI" panose="020B0502040204020203" pitchFamily="34" charset="0"/>
             </a:endParaRPr>
@@ -3966,35 +3958,35 @@
           </a:bodyPr>
           <a:lstStyle/>
           <a:p>
-            <a:r xmlns:a="http://schemas.openxmlformats.org/drawingml/2006/main">
+            <a:r>
               <a:rPr lang="en" dirty="0"/>
               <a:t>Select </a:t>
             </a:r>
-            <a:r xmlns:a="http://schemas.openxmlformats.org/drawingml/2006/main">
+            <a:r>
               <a:rPr lang="en" dirty="0" smtClean="0"/>
               <a:t>the </a:t>
             </a:r>
-            <a:r xmlns:a="http://schemas.openxmlformats.org/drawingml/2006/main">
+            <a:r>
               <a:rPr lang="en" b="1" dirty="0" smtClean="0"/>
               <a:t>Year</a:t>
             </a:r>
-            <a:r xmlns:a="http://schemas.openxmlformats.org/drawingml/2006/main">
+            <a:r>
               <a:rPr lang="en" dirty="0" smtClean="0"/>
               <a:t> </a:t>
             </a:r>
-            <a:r xmlns:a="http://schemas.openxmlformats.org/drawingml/2006/main">
+            <a:r>
               <a:rPr lang="en" dirty="0"/>
               <a:t>and right click, then apply </a:t>
             </a:r>
-            <a:r xmlns:a="http://schemas.openxmlformats.org/drawingml/2006/main">
+            <a:r>
               <a:rPr lang="en" b="1" dirty="0"/>
               <a:t>"Create Hierarchy </a:t>
             </a:r>
-            <a:r xmlns:a="http://schemas.openxmlformats.org/drawingml/2006/main">
+            <a:r>
               <a:rPr lang="en" b="1" dirty="0" smtClean="0"/>
               <a:t>"</a:t>
             </a:r>
-            <a:endParaRPr xmlns:a="http://schemas.openxmlformats.org/drawingml/2006/main" lang="en-US" dirty="0"/>
+            <a:endParaRPr lang="en-US" dirty="0"/>
           </a:p>
         </p:txBody>
       </p:sp>
@@ -4019,15 +4011,15 @@
           </a:bodyPr>
           <a:lstStyle/>
           <a:p>
-            <a:r xmlns:a="http://schemas.openxmlformats.org/drawingml/2006/main">
+            <a:r>
               <a:rPr lang="en" dirty="0"/>
               <a:t>Notice the presence of a new field with a Year element </a:t>
             </a:r>
-            <a:r xmlns:a="http://schemas.openxmlformats.org/drawingml/2006/main">
+            <a:r>
               <a:rPr lang="en" dirty="0" smtClean="0"/>
               <a:t>in it</a:t>
             </a:r>
-            <a:endParaRPr xmlns:a="http://schemas.openxmlformats.org/drawingml/2006/main" lang="en-US" dirty="0"/>
+            <a:endParaRPr lang="en-US" dirty="0"/>
           </a:p>
         </p:txBody>
       </p:sp>
@@ -4083,14 +4075,14 @@
           </a:bodyPr>
           <a:lstStyle/>
           <a:p>
-            <a:r xmlns:a="http://schemas.openxmlformats.org/drawingml/2006/main">
+            <a:r>
               <a:rPr lang="en" sz="2400" dirty="0" smtClean="0">
                 <a:latin typeface="Segoe UI" panose="020B0502040204020203" pitchFamily="34" charset="0"/>
                 <a:cs typeface="Segoe UI" panose="020B0502040204020203" pitchFamily="34" charset="0"/>
               </a:rPr>
               <a:t>Hierarchies</a:t>
             </a:r>
-            <a:endParaRPr xmlns:a="http://schemas.openxmlformats.org/drawingml/2006/main" lang="en-US" sz="2400" dirty="0">
+            <a:endParaRPr lang="en-US" sz="2400" dirty="0">
               <a:latin typeface="Segoe UI" panose="020B0502040204020203" pitchFamily="34" charset="0"/>
               <a:cs typeface="Segoe UI" panose="020B0502040204020203" pitchFamily="34" charset="0"/>
             </a:endParaRPr>
@@ -4289,39 +4281,39 @@
           </a:bodyPr>
           <a:lstStyle/>
           <a:p>
-            <a:r xmlns:a="http://schemas.openxmlformats.org/drawingml/2006/main">
+            <a:r>
               <a:rPr lang="en" dirty="0"/>
               <a:t>Add </a:t>
             </a:r>
-            <a:r xmlns:a="http://schemas.openxmlformats.org/drawingml/2006/main">
+            <a:r>
               <a:rPr lang="en" b="1" dirty="0" err="1"/>
               <a:t>MonthName </a:t>
             </a:r>
-            <a:r xmlns:a="http://schemas.openxmlformats.org/drawingml/2006/main">
+            <a:r>
               <a:rPr lang="en" dirty="0"/>
               <a:t>just below </a:t>
             </a:r>
-            <a:r xmlns:a="http://schemas.openxmlformats.org/drawingml/2006/main">
+            <a:r>
               <a:rPr lang="en" b="1" dirty="0" err="1"/>
               <a:t>Year </a:t>
             </a:r>
-            <a:r xmlns:a="http://schemas.openxmlformats.org/drawingml/2006/main">
+            <a:r>
               <a:rPr lang="en" dirty="0"/>
               <a:t>, by right-clicking on it and adding it to the </a:t>
             </a:r>
-            <a:r xmlns:a="http://schemas.openxmlformats.org/drawingml/2006/main">
+            <a:r>
               <a:rPr lang="en" b="1" dirty="0" err="1"/>
               <a:t>Year </a:t>
             </a:r>
-            <a:r xmlns:a="http://schemas.openxmlformats.org/drawingml/2006/main">
+            <a:r>
               <a:rPr lang="en" b="1" dirty="0"/>
               <a:t>hierarchy </a:t>
             </a:r>
-            <a:r xmlns:a="http://schemas.openxmlformats.org/drawingml/2006/main">
+            <a:r>
               <a:rPr lang="en" dirty="0"/>
               <a:t>.</a:t>
             </a:r>
-            <a:endParaRPr xmlns:a="http://schemas.openxmlformats.org/drawingml/2006/main" lang="en-US" dirty="0"/>
+            <a:endParaRPr lang="en-US" dirty="0"/>
           </a:p>
         </p:txBody>
       </p:sp>
@@ -4346,63 +4338,59 @@
           </a:bodyPr>
           <a:lstStyle/>
           <a:p>
-            <a:r xmlns:a="http://schemas.openxmlformats.org/drawingml/2006/main">
+            <a:r>
               <a:rPr lang="en" sz="2000" dirty="0"/>
               <a:t>Add a grouped columns visual, drag the newly created hierarchy to the </a:t>
             </a:r>
-            <a:r xmlns:a="http://schemas.openxmlformats.org/drawingml/2006/main">
+            <a:r>
               <a:rPr lang="en" sz="2000" b="1" dirty="0"/>
               <a:t>axis</a:t>
             </a:r>
-            <a:r xmlns:a="http://schemas.openxmlformats.org/drawingml/2006/main">
+            <a:r>
               <a:rPr lang="en" sz="2000" dirty="0"/>
               <a:t> </a:t>
             </a:r>
-            <a:r xmlns:a="http://schemas.openxmlformats.org/drawingml/2006/main">
+            <a:r>
               <a:rPr lang="en" sz="2000" b="1" dirty="0"/>
               <a:t>X </a:t>
             </a:r>
-            <a:r xmlns:a="http://schemas.openxmlformats.org/drawingml/2006/main">
+            <a:r>
               <a:rPr lang="en" sz="2000" dirty="0"/>
               <a:t>as well as </a:t>
             </a:r>
-            <a:r xmlns:a="http://schemas.openxmlformats.org/drawingml/2006/main">
+            <a:r>
               <a:rPr lang="en" sz="2000" b="1" dirty="0"/>
               <a:t>Sales </a:t>
             </a:r>
-            <a:r xmlns:a="http://schemas.openxmlformats.org/drawingml/2006/main">
+            <a:r>
               <a:rPr lang="en" sz="2000" b="1" dirty="0" err="1"/>
               <a:t>Quantity from the </a:t>
             </a:r>
-            <a:r xmlns:a="http://schemas.openxmlformats.org/drawingml/2006/main">
+            <a:r>
               <a:rPr lang="en" sz="2000" b="1" dirty="0"/>
               <a:t>FactSales </a:t>
             </a:r>
-            <a:r xmlns:a="http://schemas.openxmlformats.org/drawingml/2006/main">
+            <a:r>
               <a:rPr lang="en" sz="2000" dirty="0"/>
-              <a:t>table </a:t>
-            </a:r>
-            <a:r xmlns:a="http://schemas.openxmlformats.org/drawingml/2006/main">
-              <a:rPr lang="en" sz="2000" dirty="0"/>
-              <a:t>to the </a:t>
-            </a:r>
-            <a:r xmlns:a="http://schemas.openxmlformats.org/drawingml/2006/main">
+              <a:t>table to the </a:t>
+            </a:r>
+            <a:r>
               <a:rPr lang="en" sz="2000" b="1" dirty="0"/>
               <a:t>axis</a:t>
             </a:r>
-            <a:r xmlns:a="http://schemas.openxmlformats.org/drawingml/2006/main">
+            <a:r>
               <a:rPr lang="en" sz="2000" dirty="0"/>
               <a:t> </a:t>
             </a:r>
-            <a:r xmlns:a="http://schemas.openxmlformats.org/drawingml/2006/main">
+            <a:r>
               <a:rPr lang="en" sz="2000" b="1" dirty="0"/>
               <a:t>Y </a:t>
             </a:r>
-            <a:r xmlns:a="http://schemas.openxmlformats.org/drawingml/2006/main">
+            <a:r>
               <a:rPr lang="en" sz="2000" dirty="0"/>
               <a:t>.</a:t>
             </a:r>
-            <a:endParaRPr xmlns:a="http://schemas.openxmlformats.org/drawingml/2006/main" lang="en-US" sz="2000" dirty="0"/>
+            <a:endParaRPr lang="en-US" sz="2000" dirty="0"/>
           </a:p>
         </p:txBody>
       </p:sp>
@@ -4427,11 +4415,11 @@
           </a:bodyPr>
           <a:lstStyle/>
           <a:p>
-            <a:r xmlns:a="http://schemas.openxmlformats.org/drawingml/2006/main">
+            <a:r>
               <a:rPr lang="en" sz="2000" dirty="0"/>
               <a:t>Try exploring the navigation capabilities offered, represented by these icons.</a:t>
             </a:r>
-            <a:endParaRPr xmlns:a="http://schemas.openxmlformats.org/drawingml/2006/main" lang="en-US" sz="2000" dirty="0"/>
+            <a:endParaRPr lang="en-US" sz="2000" dirty="0"/>
           </a:p>
         </p:txBody>
       </p:sp>
@@ -4487,14 +4475,14 @@
           </a:bodyPr>
           <a:lstStyle/>
           <a:p>
-            <a:r xmlns:a="http://schemas.openxmlformats.org/drawingml/2006/main">
+            <a:r>
               <a:rPr lang="en" sz="2400" dirty="0" smtClean="0">
                 <a:latin typeface="Segoe UI" panose="020B0502040204020203" pitchFamily="34" charset="0"/>
                 <a:cs typeface="Segoe UI" panose="020B0502040204020203" pitchFamily="34" charset="0"/>
               </a:rPr>
               <a:t>Hierarchies</a:t>
             </a:r>
-            <a:endParaRPr xmlns:a="http://schemas.openxmlformats.org/drawingml/2006/main" lang="en-US" sz="2400" dirty="0">
+            <a:endParaRPr lang="en-US" sz="2400" dirty="0">
               <a:latin typeface="Segoe UI" panose="020B0502040204020203" pitchFamily="34" charset="0"/>
               <a:cs typeface="Segoe UI" panose="020B0502040204020203" pitchFamily="34" charset="0"/>
             </a:endParaRPr>
@@ -4638,7 +4626,7 @@
           </a:bodyPr>
           <a:lstStyle/>
           <a:p>
-            <a:pPr xmlns:a="http://schemas.openxmlformats.org/drawingml/2006/main" marL="0" marR="0" lvl="0" indent="0" algn="l" defTabSz="914400" rtl="0" eaLnBrk="0" fontAlgn="base" latinLnBrk="0" hangingPunct="0">
+            <a:pPr marL="0" marR="0" lvl="0" indent="0" algn="l" defTabSz="914400" rtl="0" eaLnBrk="0" fontAlgn="base" latinLnBrk="0" hangingPunct="0">
               <a:lnSpc>
                 <a:spcPct val="100000"/>
               </a:lnSpc>
@@ -4654,7 +4642,7 @@
               <a:buNone/>
               <a:tabLst/>
             </a:pPr>
-            <a:r xmlns:a="http://schemas.openxmlformats.org/drawingml/2006/main">
+            <a:r>
               <a:rPr kumimoji="0" lang="en" altLang="en-US" sz="1800" b="0" i="0" u="none" strike="noStrike" cap="none" normalizeH="0" baseline="0" dirty="0" smtClean="0">
                 <a:ln>
                   <a:noFill/>
@@ -4667,7 +4655,7 @@
               </a:rPr>
               <a:t>Right </a:t>
             </a:r>
-            <a:r xmlns:a="http://schemas.openxmlformats.org/drawingml/2006/main">
+            <a:r>
               <a:rPr kumimoji="0" lang="en" altLang="en-US" sz="1800" b="0" i="0" u="none" strike="noStrike" cap="none" normalizeH="0" baseline="0" dirty="0" err="1" smtClean="0">
                 <a:ln>
                   <a:noFill/>
@@ -4678,9 +4666,48 @@
                 <a:effectLst/>
                 <a:latin typeface="Arial" panose="020B0604020202020204" pitchFamily="34" charset="0"/>
               </a:rPr>
-              <a:t>- </a:t>
-            </a:r>
-            <a:r xmlns:a="http://schemas.openxmlformats.org/drawingml/2006/main">
+              <a:t>- click </a:t>
+            </a:r>
+            <a:r>
+              <a:rPr kumimoji="0" lang="en" altLang="en-US" sz="1800" b="0" i="0" u="none" strike="noStrike" cap="none" normalizeH="0" baseline="0" dirty="0" smtClean="0">
+                <a:ln>
+                  <a:noFill/>
+                </a:ln>
+                <a:solidFill>
+                  <a:schemeClr val="tx1"/>
+                </a:solidFill>
+                <a:effectLst/>
+                <a:latin typeface="Arial" panose="020B0604020202020204" pitchFamily="34" charset="0"/>
+              </a:rPr>
+              <a:t>the </a:t>
+            </a:r>
+            <a:r>
+              <a:rPr kumimoji="0" lang="en" altLang="en-US" sz="1800" b="0" i="0" u="none" strike="noStrike" cap="none" normalizeH="0" baseline="0" dirty="0" err="1" smtClean="0">
+                <a:ln>
+                  <a:noFill/>
+                </a:ln>
+                <a:solidFill>
+                  <a:schemeClr val="tx1"/>
+                </a:solidFill>
+                <a:effectLst/>
+                <a:latin typeface="Arial" panose="020B0604020202020204" pitchFamily="34" charset="0"/>
+              </a:rPr>
+              <a:t>hierarchy </a:t>
+            </a:r>
+            <a:r>
+              <a:rPr kumimoji="0" lang="en" altLang="en-US" sz="1800" b="0" i="0" u="none" strike="noStrike" cap="none" normalizeH="0" baseline="0" dirty="0" smtClean="0">
+                <a:ln>
+                  <a:noFill/>
+                </a:ln>
+                <a:solidFill>
+                  <a:schemeClr val="tx1"/>
+                </a:solidFill>
+                <a:effectLst/>
+                <a:latin typeface="Arial" panose="020B0604020202020204" pitchFamily="34" charset="0"/>
+              </a:rPr>
+              <a:t>and </a:t>
+            </a:r>
+            <a:r>
               <a:rPr kumimoji="0" lang="en" altLang="en-US" sz="1800" b="0" i="0" u="none" strike="noStrike" cap="none" normalizeH="0" baseline="0" dirty="0" err="1" smtClean="0">
                 <a:ln>
                   <a:noFill/>
@@ -4693,59 +4720,7 @@
               </a:rPr>
               <a:t>click </a:t>
             </a:r>
-            <a:r xmlns:a="http://schemas.openxmlformats.org/drawingml/2006/main">
-              <a:rPr kumimoji="0" lang="en" altLang="en-US" sz="1800" b="0" i="0" u="none" strike="noStrike" cap="none" normalizeH="0" baseline="0" dirty="0" smtClean="0">
-                <a:ln>
-                  <a:noFill/>
-                </a:ln>
-                <a:solidFill>
-                  <a:schemeClr val="tx1"/>
-                </a:solidFill>
-                <a:effectLst/>
-                <a:latin typeface="Arial" panose="020B0604020202020204" pitchFamily="34" charset="0"/>
-              </a:rPr>
-              <a:t>the </a:t>
-            </a:r>
-            <a:r xmlns:a="http://schemas.openxmlformats.org/drawingml/2006/main">
-              <a:rPr kumimoji="0" lang="en" altLang="en-US" sz="1800" b="0" i="0" u="none" strike="noStrike" cap="none" normalizeH="0" baseline="0" dirty="0" err="1" smtClean="0">
-                <a:ln>
-                  <a:noFill/>
-                </a:ln>
-                <a:solidFill>
-                  <a:schemeClr val="tx1"/>
-                </a:solidFill>
-                <a:effectLst/>
-                <a:latin typeface="Arial" panose="020B0604020202020204" pitchFamily="34" charset="0"/>
-              </a:rPr>
-              <a:t>hierarchy </a:t>
-            </a:r>
-            <a:r xmlns:a="http://schemas.openxmlformats.org/drawingml/2006/main">
-              <a:rPr kumimoji="0" lang="en" altLang="en-US" sz="1800" b="0" i="0" u="none" strike="noStrike" cap="none" normalizeH="0" baseline="0" dirty="0" smtClean="0">
-                <a:ln>
-                  <a:noFill/>
-                </a:ln>
-                <a:solidFill>
-                  <a:schemeClr val="tx1"/>
-                </a:solidFill>
-                <a:effectLst/>
-                <a:latin typeface="Arial" panose="020B0604020202020204" pitchFamily="34" charset="0"/>
-              </a:rPr>
-              <a:t>and </a:t>
-            </a:r>
-            <a:r xmlns:a="http://schemas.openxmlformats.org/drawingml/2006/main">
-              <a:rPr kumimoji="0" lang="en" altLang="en-US" sz="1800" b="0" i="0" u="none" strike="noStrike" cap="none" normalizeH="0" baseline="0" dirty="0" err="1" smtClean="0">
-                <a:ln>
-                  <a:noFill/>
-                </a:ln>
-                <a:solidFill>
-                  <a:schemeClr val="tx1"/>
-                </a:solidFill>
-                <a:effectLst/>
-                <a:latin typeface="Arial" panose="020B0604020202020204" pitchFamily="34" charset="0"/>
-              </a:rPr>
-              <a:t>click </a:t>
-            </a:r>
-            <a:r xmlns:a="http://schemas.openxmlformats.org/drawingml/2006/main">
+            <a:r>
               <a:rPr kumimoji="0" lang="en" altLang="en-US" sz="1800" b="0" i="0" u="none" strike="noStrike" cap="none" normalizeH="0" baseline="0" dirty="0" smtClean="0">
                 <a:ln>
                   <a:noFill/>
@@ -4758,7 +4733,7 @@
               </a:rPr>
               <a:t>Hide </a:t>
             </a:r>
-            <a:r xmlns:a="http://schemas.openxmlformats.org/drawingml/2006/main">
+            <a:r>
               <a:rPr kumimoji="0" lang="en" altLang="en-US" sz="1800" b="1" i="0" u="none" strike="noStrike" cap="none" normalizeH="0" baseline="0" dirty="0" smtClean="0">
                 <a:ln>
                   <a:noFill/>
@@ -4769,22 +4744,9 @@
                 <a:effectLst/>
                 <a:latin typeface="Arial" panose="020B0604020202020204" pitchFamily="34" charset="0"/>
               </a:rPr>
-              <a:t>from </a:t>
-            </a:r>
-            <a:r xmlns:a="http://schemas.openxmlformats.org/drawingml/2006/main">
-              <a:rPr kumimoji="0" lang="en" altLang="en-US" sz="1800" b="1" i="0" u="none" strike="noStrike" cap="none" normalizeH="0" baseline="0" dirty="0" smtClean="0">
-                <a:ln>
-                  <a:noFill/>
-                </a:ln>
-                <a:solidFill>
-                  <a:schemeClr val="tx1"/>
-                </a:solidFill>
-                <a:effectLst/>
-                <a:latin typeface="Arial" panose="020B0604020202020204" pitchFamily="34" charset="0"/>
-              </a:rPr>
-              <a:t>report </a:t>
-            </a:r>
-            <a:r xmlns:a="http://schemas.openxmlformats.org/drawingml/2006/main">
+              <a:t>from report </a:t>
+            </a:r>
+            <a:r>
               <a:rPr kumimoji="0" lang="en" altLang="en-US" sz="1800" b="1" i="0" u="none" strike="noStrike" cap="none" normalizeH="0" baseline="0" dirty="0" err="1" smtClean="0">
                 <a:ln>
                   <a:noFill/>
@@ -4797,7 +4759,7 @@
               </a:rPr>
               <a:t>view </a:t>
             </a:r>
-            <a:r xmlns:a="http://schemas.openxmlformats.org/drawingml/2006/main">
+            <a:r>
               <a:rPr kumimoji="0" lang="en" altLang="en-US" sz="1800" b="0" i="0" u="none" strike="noStrike" cap="none" normalizeH="0" baseline="0" dirty="0" smtClean="0">
                 <a:ln>
                   <a:noFill/>
@@ -4810,7 +4772,7 @@
               </a:rPr>
               <a:t>.</a:t>
             </a:r>
-            <a:r xmlns:a="http://schemas.openxmlformats.org/drawingml/2006/main">
+            <a:r>
               <a:rPr kumimoji="0" lang="en" altLang="en-US" sz="1800" b="1" i="0" u="none" strike="noStrike" cap="none" normalizeH="0" baseline="0" dirty="0" err="1" smtClean="0">
                 <a:ln>
                   <a:noFill/>
@@ -4825,7 +4787,7 @@
             </a:r>
           </a:p>
           <a:p>
-            <a:pPr xmlns:a="http://schemas.openxmlformats.org/drawingml/2006/main" marL="0" marR="0" lvl="0" indent="0" algn="l" defTabSz="914400" rtl="0" eaLnBrk="0" fontAlgn="base" latinLnBrk="0" hangingPunct="0">
+            <a:pPr marL="0" marR="0" lvl="0" indent="0" algn="l" defTabSz="914400" rtl="0" eaLnBrk="0" fontAlgn="base" latinLnBrk="0" hangingPunct="0">
               <a:lnSpc>
                 <a:spcPct val="100000"/>
               </a:lnSpc>
@@ -4841,7 +4803,7 @@
               <a:buNone/>
               <a:tabLst/>
             </a:pPr>
-            <a:r xmlns:a="http://schemas.openxmlformats.org/drawingml/2006/main">
+            <a:r>
               <a:rPr kumimoji="0" lang="en" altLang="en-US" sz="1800" b="0" i="0" u="none" strike="noStrike" cap="none" normalizeH="0" baseline="0" dirty="0" err="1" smtClean="0">
                 <a:ln>
                   <a:noFill/>
@@ -4854,7 +4816,7 @@
               </a:rPr>
               <a:t>Note </a:t>
             </a:r>
-            <a:r xmlns:a="http://schemas.openxmlformats.org/drawingml/2006/main">
+            <a:r>
               <a:rPr kumimoji="0" lang="en" altLang="en-US" sz="1800" b="0" i="0" u="none" strike="noStrike" cap="none" normalizeH="0" baseline="0" dirty="0" smtClean="0">
                 <a:ln>
                   <a:noFill/>
@@ -4867,7 +4829,7 @@
               </a:rPr>
               <a:t>that the </a:t>
             </a:r>
-            <a:r xmlns:a="http://schemas.openxmlformats.org/drawingml/2006/main">
+            <a:r>
               <a:rPr kumimoji="0" lang="en" altLang="en-US" sz="1800" b="0" i="0" u="none" strike="noStrike" cap="none" normalizeH="0" baseline="0" dirty="0" err="1" smtClean="0">
                 <a:ln>
                   <a:noFill/>
@@ -4880,7 +4842,7 @@
               </a:rPr>
               <a:t>hierarchy</a:t>
             </a:r>
-            <a:r xmlns:a="http://schemas.openxmlformats.org/drawingml/2006/main">
+            <a:r>
               <a:rPr kumimoji="0" lang="en" altLang="en-US" sz="1800" b="0" i="0" u="none" strike="noStrike" cap="none" normalizeH="0" baseline="0" dirty="0" smtClean="0">
                 <a:ln>
                   <a:noFill/>
@@ -4893,7 +4855,7 @@
               </a:rPr>
               <a:t> </a:t>
             </a:r>
-            <a:r xmlns:a="http://schemas.openxmlformats.org/drawingml/2006/main">
+            <a:r>
               <a:rPr kumimoji="0" lang="en" altLang="en-US" sz="1800" b="0" i="0" u="none" strike="noStrike" cap="none" normalizeH="0" baseline="0" dirty="0" err="1" smtClean="0">
                 <a:ln>
                   <a:noFill/>
@@ -4906,7 +4868,7 @@
               </a:rPr>
               <a:t>is no </a:t>
             </a:r>
-            <a:r xmlns:a="http://schemas.openxmlformats.org/drawingml/2006/main">
+            <a:r>
               <a:rPr kumimoji="0" lang="en" altLang="en-US" sz="1800" b="0" i="0" u="none" strike="noStrike" cap="none" normalizeH="0" baseline="0" dirty="0" smtClean="0">
                 <a:ln>
                   <a:noFill/>
@@ -4919,7 +4881,7 @@
               </a:rPr>
               <a:t>longer visible </a:t>
             </a:r>
-            <a:r xmlns:a="http://schemas.openxmlformats.org/drawingml/2006/main">
+            <a:r>
               <a:rPr kumimoji="0" lang="en" altLang="en-US" sz="1800" b="0" i="0" u="none" strike="noStrike" cap="none" normalizeH="0" baseline="0" dirty="0" err="1" smtClean="0">
                 <a:ln>
                   <a:noFill/>
@@ -4932,7 +4894,7 @@
               </a:rPr>
               <a:t>in</a:t>
             </a:r>
-            <a:r xmlns:a="http://schemas.openxmlformats.org/drawingml/2006/main">
+            <a:r>
               <a:rPr kumimoji="0" lang="en" altLang="en-US" sz="1800" b="0" i="0" u="none" strike="noStrike" cap="none" normalizeH="0" baseline="0" dirty="0" smtClean="0">
                 <a:ln>
                   <a:noFill/>
@@ -4945,7 +4907,7 @@
               </a:rPr>
               <a:t> </a:t>
             </a:r>
-            <a:r xmlns:a="http://schemas.openxmlformats.org/drawingml/2006/main">
+            <a:r>
               <a:rPr kumimoji="0" lang="en" altLang="en-US" sz="1800" b="0" i="0" u="none" strike="noStrike" cap="none" normalizeH="0" baseline="0" dirty="0" err="1" smtClean="0">
                 <a:ln>
                   <a:noFill/>
@@ -4958,7 +4920,7 @@
               </a:rPr>
               <a:t>the interface</a:t>
             </a:r>
-            <a:r xmlns:a="http://schemas.openxmlformats.org/drawingml/2006/main">
+            <a:r>
               <a:rPr kumimoji="0" lang="en" altLang="en-US" sz="1800" b="0" i="0" u="none" strike="noStrike" cap="none" normalizeH="0" baseline="0" dirty="0" smtClean="0">
                 <a:ln>
                   <a:noFill/>
@@ -4971,7 +4933,7 @@
               </a:rPr>
               <a:t> </a:t>
             </a:r>
-            <a:r xmlns:a="http://schemas.openxmlformats.org/drawingml/2006/main">
+            <a:r>
               <a:rPr kumimoji="0" lang="en" altLang="en-US" sz="1800" b="0" i="0" u="none" strike="noStrike" cap="none" normalizeH="0" baseline="0" dirty="0" err="1" smtClean="0">
                 <a:ln>
                   <a:noFill/>
@@ -4984,7 +4946,7 @@
               </a:rPr>
               <a:t>visual </a:t>
             </a:r>
-            <a:r xmlns:a="http://schemas.openxmlformats.org/drawingml/2006/main">
+            <a:r>
               <a:rPr kumimoji="0" lang="en" altLang="en-US" sz="1800" b="0" i="0" u="none" strike="noStrike" cap="none" normalizeH="0" baseline="0" dirty="0" smtClean="0">
                 <a:ln>
                   <a:noFill/>
@@ -5085,8 +5047,8 @@
         </p:nvSpPr>
         <p:spPr>
           <a:xfrm>
-            <a:off x="4206049" y="2281704"/>
-            <a:ext cx="3456395" cy="1569660"/>
+            <a:off x="2849588" y="2378594"/>
+            <a:ext cx="6230360" cy="1569660"/>
           </a:xfrm>
           <a:prstGeom prst="rect">
             <a:avLst/>
@@ -5099,8 +5061,8 @@
           </a:bodyPr>
           <a:lstStyle/>
           <a:p>
-            <a:r xmlns:a="http://schemas.openxmlformats.org/drawingml/2006/main">
-              <a:rPr lang="en" sz="9600" b="1" dirty="0" smtClean="0">
+            <a:r>
+              <a:rPr lang="en-US" sz="9600" b="1" dirty="0" smtClean="0">
                 <a:solidFill>
                   <a:srgbClr val="7030A0"/>
                 </a:solidFill>
@@ -5108,9 +5070,9 @@
                 <a:ea typeface="Verdana" panose="020B0604030504040204" pitchFamily="34" charset="0"/>
                 <a:cs typeface="Segoe UI" panose="020B0502040204020203" pitchFamily="34" charset="0"/>
               </a:rPr>
-              <a:t>THANKS</a:t>
-            </a:r>
-            <a:endParaRPr xmlns:a="http://schemas.openxmlformats.org/drawingml/2006/main" lang="en-US" sz="9600" b="1" dirty="0">
+              <a:t>Thank you</a:t>
+            </a:r>
+            <a:endParaRPr lang="en-US" sz="9600" b="1" dirty="0">
               <a:solidFill>
                 <a:srgbClr val="7030A0"/>
               </a:solidFill>
@@ -5129,8 +5091,8 @@
         </p:nvSpPr>
         <p:spPr>
           <a:xfrm>
-            <a:off x="4128335" y="2197935"/>
-            <a:ext cx="3456395" cy="1569660"/>
+            <a:off x="2771874" y="2294825"/>
+            <a:ext cx="6230360" cy="1569660"/>
           </a:xfrm>
           <a:prstGeom prst="rect">
             <a:avLst/>
@@ -5143,8 +5105,8 @@
           </a:bodyPr>
           <a:lstStyle/>
           <a:p>
-            <a:r xmlns:a="http://schemas.openxmlformats.org/drawingml/2006/main">
-              <a:rPr lang="en" sz="9600" b="1" dirty="0" smtClean="0">
+            <a:r>
+              <a:rPr lang="en-US" sz="9600" b="1" dirty="0" smtClean="0">
                 <a:solidFill>
                   <a:schemeClr val="bg1"/>
                 </a:solidFill>
@@ -5152,9 +5114,9 @@
                 <a:ea typeface="Verdana" panose="020B0604030504040204" pitchFamily="34" charset="0"/>
                 <a:cs typeface="Segoe UI" panose="020B0502040204020203" pitchFamily="34" charset="0"/>
               </a:rPr>
-              <a:t>THANKS</a:t>
-            </a:r>
-            <a:endParaRPr xmlns:a="http://schemas.openxmlformats.org/drawingml/2006/main" lang="en-US" sz="9600" b="1" dirty="0">
+              <a:t>Thank you</a:t>
+            </a:r>
+            <a:endParaRPr lang="en-US" sz="9600" b="1" dirty="0">
               <a:solidFill>
                 <a:schemeClr val="bg1"/>
               </a:solidFill>
